--- a/docs/Statusgespräch_17072018.pptx
+++ b/docs/Statusgespräch_17072018.pptx
@@ -12,8 +12,8 @@
     <p:sldId id="257" r:id="rId3"/>
     <p:sldId id="258" r:id="rId4"/>
     <p:sldId id="259" r:id="rId5"/>
-    <p:sldId id="262" r:id="rId6"/>
-    <p:sldId id="260" r:id="rId7"/>
+    <p:sldId id="260" r:id="rId6"/>
+    <p:sldId id="262" r:id="rId7"/>
     <p:sldId id="261" r:id="rId8"/>
     <p:sldId id="263" r:id="rId9"/>
     <p:sldId id="264" r:id="rId10"/>
@@ -116,6 +116,11 @@
       </a:defRPr>
     </a:lvl9pPr>
   </p:defaultTextStyle>
+  <p:extLst>
+    <p:ext uri="{EFAFB233-063F-42B5-8137-9DF3F51BA10A}">
+      <p15:sldGuideLst xmlns:p15="http://schemas.microsoft.com/office/powerpoint/2012/main"/>
+    </p:ext>
+  </p:extLst>
 </p:presentation>
 </file>
 
@@ -5524,7 +5529,7 @@
         </p:nvSpPr>
         <p:spPr>
           <a:xfrm>
-            <a:off x="864371" y="2565340"/>
+            <a:off x="881729" y="2515766"/>
             <a:ext cx="2524782" cy="3139174"/>
           </a:xfrm>
           <a:prstGeom prst="rect">
@@ -6065,6 +6070,45 @@
           <a:chExt cx="0" cy="0"/>
         </a:xfrm>
       </p:grpSpPr>
+      <p:pic>
+        <p:nvPicPr>
+          <p:cNvPr id="6" name="Grafik 5">
+            <a:extLst>
+              <a:ext uri="{FF2B5EF4-FFF2-40B4-BE49-F238E27FC236}">
+                <a16:creationId xmlns:a16="http://schemas.microsoft.com/office/drawing/2014/main" id="{715D3089-0B38-4B4E-97CD-D088CE6389D9}"/>
+              </a:ext>
+              <a:ext uri="{C183D7F6-B498-43B3-948B-1728B52AA6E4}">
+                <adec:decorative xmlns:adec="http://schemas.microsoft.com/office/drawing/2017/decorative" val="0"/>
+              </a:ext>
+            </a:extLst>
+          </p:cNvPr>
+          <p:cNvPicPr>
+            <a:picLocks noChangeAspect="1"/>
+          </p:cNvPicPr>
+          <p:nvPr/>
+        </p:nvPicPr>
+        <p:blipFill>
+          <a:blip r:embed="rId2">
+            <a:extLst>
+              <a:ext uri="{28A0092B-C50C-407E-A947-70E740481C1C}">
+                <a14:useLocalDpi xmlns:a14="http://schemas.microsoft.com/office/drawing/2010/main" val="0"/>
+              </a:ext>
+            </a:extLst>
+          </a:blip>
+          <a:stretch>
+            <a:fillRect/>
+          </a:stretch>
+        </p:blipFill>
+        <p:spPr>
+          <a:xfrm>
+            <a:off x="5418708" y="3322040"/>
+            <a:ext cx="6625198" cy="3308286"/>
+          </a:xfrm>
+          <a:prstGeom prst="rect">
+            <a:avLst/>
+          </a:prstGeom>
+        </p:spPr>
+      </p:pic>
       <p:sp>
         <p:nvSpPr>
           <p:cNvPr id="2" name="Titel 1">
@@ -6220,8 +6264,8 @@
         </p:nvSpPr>
         <p:spPr>
           <a:xfrm>
-            <a:off x="656548" y="1404509"/>
-            <a:ext cx="10515600" cy="1957816"/>
+            <a:off x="673326" y="1404510"/>
+            <a:ext cx="10515600" cy="2722874"/>
           </a:xfrm>
         </p:spPr>
         <p:txBody>
@@ -6251,6 +6295,67 @@
             </a:r>
           </a:p>
           <a:p>
+            <a:r>
+              <a:rPr lang="de-DE" sz="2000" dirty="0">
+                <a:solidFill>
+                  <a:schemeClr val="tx1">
+                    <a:lumMod val="85000"/>
+                    <a:lumOff val="15000"/>
+                  </a:schemeClr>
+                </a:solidFill>
+                <a:latin typeface="Alegreya Sans" panose="00000500000000000000" pitchFamily="50" charset="0"/>
+                <a:cs typeface="Miriam Fixed" panose="020B0604020202020204" pitchFamily="49" charset="-79"/>
+              </a:rPr>
+              <a:t>Zusätzliche Libraries:</a:t>
+            </a:r>
+          </a:p>
+          <a:p>
+            <a:pPr lvl="1"/>
+            <a:r>
+              <a:rPr lang="de-DE" sz="1600" dirty="0">
+                <a:latin typeface="Alegreya Sans" panose="00000500000000000000" pitchFamily="50" charset="0"/>
+              </a:rPr>
+              <a:t>Mathematische Berechnungen &amp; Matrizen durch die Python-Library </a:t>
+            </a:r>
+            <a:r>
+              <a:rPr lang="de-DE" sz="1600" dirty="0" err="1">
+                <a:latin typeface="Miriam Fixed" panose="020B0509050101010101" pitchFamily="49" charset="-79"/>
+                <a:cs typeface="Miriam Fixed" panose="020B0509050101010101" pitchFamily="49" charset="-79"/>
+              </a:rPr>
+              <a:t>NumPy</a:t>
+            </a:r>
+            <a:endParaRPr lang="de-DE" sz="1600" dirty="0">
+              <a:latin typeface="Miriam Fixed" panose="020B0509050101010101" pitchFamily="49" charset="-79"/>
+              <a:cs typeface="Miriam Fixed" panose="020B0509050101010101" pitchFamily="49" charset="-79"/>
+            </a:endParaRPr>
+          </a:p>
+          <a:p>
+            <a:pPr lvl="1"/>
+            <a:r>
+              <a:rPr lang="de-DE" sz="1600" dirty="0">
+                <a:latin typeface="Alegreya Sans" panose="00000500000000000000" pitchFamily="50" charset="0"/>
+              </a:rPr>
+              <a:t>Darstellung durch die Python-Library </a:t>
+            </a:r>
+            <a:r>
+              <a:rPr lang="de-DE" sz="1600" dirty="0" err="1">
+                <a:latin typeface="Miriam Fixed" panose="020B0509050101010101" pitchFamily="49" charset="-79"/>
+                <a:cs typeface="Miriam Fixed" panose="020B0509050101010101" pitchFamily="49" charset="-79"/>
+              </a:rPr>
+              <a:t>Matplotlib</a:t>
+            </a:r>
+            <a:endParaRPr lang="de-DE" sz="1600" dirty="0">
+              <a:solidFill>
+                <a:schemeClr val="tx1">
+                  <a:lumMod val="85000"/>
+                  <a:lumOff val="15000"/>
+                </a:schemeClr>
+              </a:solidFill>
+              <a:latin typeface="Miriam Fixed" panose="020B0604020202020204" pitchFamily="49" charset="-79"/>
+              <a:cs typeface="Miriam Fixed" panose="020B0604020202020204" pitchFamily="49" charset="-79"/>
+            </a:endParaRPr>
+          </a:p>
+          <a:p>
             <a:pPr>
               <a:spcAft>
                 <a:spcPts val="1200"/>
@@ -6373,26 +6478,6 @@
               </a:rPr>
               <a:t> 2. &amp; 4. Ordnung</a:t>
             </a:r>
-          </a:p>
-          <a:p>
-            <a:pPr lvl="1"/>
-            <a:r>
-              <a:rPr lang="de-DE" sz="1600" dirty="0">
-                <a:latin typeface="Alegreya Sans" panose="00000500000000000000" pitchFamily="50" charset="0"/>
-              </a:rPr>
-              <a:t>Darstellung durch die Python-Library </a:t>
-            </a:r>
-            <a:r>
-              <a:rPr lang="de-DE" sz="1600" dirty="0" err="1">
-                <a:latin typeface="Miriam Fixed" panose="020B0509050101010101" pitchFamily="49" charset="-79"/>
-                <a:cs typeface="Miriam Fixed" panose="020B0509050101010101" pitchFamily="49" charset="-79"/>
-              </a:rPr>
-              <a:t>Matplotlib</a:t>
-            </a:r>
-            <a:endParaRPr lang="de-DE" sz="1600" dirty="0">
-              <a:latin typeface="Miriam Fixed" panose="020B0509050101010101" pitchFamily="49" charset="-79"/>
-              <a:cs typeface="Miriam Fixed" panose="020B0509050101010101" pitchFamily="49" charset="-79"/>
-            </a:endParaRPr>
           </a:p>
         </p:txBody>
       </p:sp>
@@ -6851,7 +6936,7 @@
                     <a:latin typeface="Alegreya Sans" panose="00000500000000000000" pitchFamily="50" charset="0"/>
                     <a:cs typeface="Miriam Fixed" panose="020B0509050101010101" pitchFamily="49" charset="-79"/>
                   </a:rPr>
-                  <a:t>-Modul berechnet durch die Modellgleichungen die Spannungen der Synapsen bzw. Gap-</a:t>
+                  <a:t>-Modul berechnet durch die Modellgleichungen die Ströme der Synapsen bzw. Gap-</a:t>
                 </a:r>
                 <a:r>
                   <a:rPr lang="de-DE" sz="2000" dirty="0" err="1">
@@ -6971,8 +7056,38 @@
         </p:blipFill>
         <p:spPr>
           <a:xfrm>
-            <a:off x="3314700" y="3947319"/>
-            <a:ext cx="5191125" cy="2592183"/>
+            <a:off x="4912918" y="3726609"/>
+            <a:ext cx="5834719" cy="2913561"/>
+          </a:xfrm>
+          <a:prstGeom prst="rect">
+            <a:avLst/>
+          </a:prstGeom>
+        </p:spPr>
+      </p:pic>
+      <p:pic>
+        <p:nvPicPr>
+          <p:cNvPr id="3" name="Grafik 2">
+            <a:extLst>
+              <a:ext uri="{FF2B5EF4-FFF2-40B4-BE49-F238E27FC236}">
+                <a16:creationId xmlns:a16="http://schemas.microsoft.com/office/drawing/2014/main" id="{B16B8AA2-7686-4514-8D90-1D685B35344A}"/>
+              </a:ext>
+            </a:extLst>
+          </p:cNvPr>
+          <p:cNvPicPr>
+            <a:picLocks noChangeAspect="1"/>
+          </p:cNvPicPr>
+          <p:nvPr/>
+        </p:nvPicPr>
+        <p:blipFill>
+          <a:blip r:embed="rId4"/>
+          <a:stretch>
+            <a:fillRect/>
+          </a:stretch>
+        </p:blipFill>
+        <p:spPr>
+          <a:xfrm>
+            <a:off x="2060458" y="3839173"/>
+            <a:ext cx="2843200" cy="2653906"/>
           </a:xfrm>
           <a:prstGeom prst="rect">
             <a:avLst/>
@@ -7052,188 +7167,6 @@
         <p:spPr>
           <a:xfrm>
             <a:off x="418423" y="735843"/>
-            <a:ext cx="7058702" cy="491622"/>
-          </a:xfrm>
-          <a:prstGeom prst="rect">
-            <a:avLst/>
-          </a:prstGeom>
-        </p:spPr>
-        <p:txBody>
-          <a:bodyPr vert="horz" wrap="none" lIns="91440" tIns="45720" rIns="91440" bIns="45720" rtlCol="0" anchor="b">
-            <a:normAutofit/>
-          </a:bodyPr>
-          <a:lstStyle/>
-          <a:p>
-            <a:pPr algn="l"/>
-            <a:r>
-              <a:rPr lang="de-DE" sz="2400" b="1" dirty="0">
-                <a:latin typeface="Alegreya Sans" panose="00000500000000000000" pitchFamily="50" charset="0"/>
-              </a:rPr>
-              <a:t>Implementierung des</a:t>
-            </a:r>
-            <a:r>
-              <a:rPr lang="de-DE" sz="2400" b="1" i="1" dirty="0">
-                <a:latin typeface="Alegreya Sans" panose="00000500000000000000" pitchFamily="50" charset="0"/>
-              </a:rPr>
-              <a:t> </a:t>
-            </a:r>
-            <a:r>
-              <a:rPr lang="de-DE" sz="2400" b="1" dirty="0">
-                <a:solidFill>
-                  <a:schemeClr val="accent1">
-                    <a:lumMod val="50000"/>
-                  </a:schemeClr>
-                </a:solidFill>
-                <a:latin typeface="Alegreya Sans" panose="00000500000000000000" pitchFamily="50" charset="0"/>
-              </a:rPr>
-              <a:t>Neuronalen Netzes</a:t>
-            </a:r>
-          </a:p>
-        </p:txBody>
-      </p:sp>
-      <p:pic>
-        <p:nvPicPr>
-          <p:cNvPr id="8" name="Grafik 7">
-            <a:extLst>
-              <a:ext uri="{FF2B5EF4-FFF2-40B4-BE49-F238E27FC236}">
-                <a16:creationId xmlns:a16="http://schemas.microsoft.com/office/drawing/2014/main" id="{0583A84B-C808-4814-A6BC-2CD81514EB0F}"/>
-              </a:ext>
-            </a:extLst>
-          </p:cNvPr>
-          <p:cNvPicPr>
-            <a:picLocks noChangeAspect="1"/>
-          </p:cNvPicPr>
-          <p:nvPr/>
-        </p:nvPicPr>
-        <p:blipFill rotWithShape="1">
-          <a:blip r:embed="rId2">
-            <a:extLst>
-              <a:ext uri="{28A0092B-C50C-407E-A947-70E740481C1C}">
-                <a14:useLocalDpi xmlns:a14="http://schemas.microsoft.com/office/drawing/2010/main" val="0"/>
-              </a:ext>
-            </a:extLst>
-          </a:blip>
-          <a:srcRect l="6629"/>
-          <a:stretch/>
-        </p:blipFill>
-        <p:spPr>
-          <a:xfrm>
-            <a:off x="297999" y="1962944"/>
-            <a:ext cx="6305550" cy="3372216"/>
-          </a:xfrm>
-          <a:prstGeom prst="rect">
-            <a:avLst/>
-          </a:prstGeom>
-        </p:spPr>
-      </p:pic>
-      <p:pic>
-        <p:nvPicPr>
-          <p:cNvPr id="9" name="Grafik 8">
-            <a:extLst>
-              <a:ext uri="{FF2B5EF4-FFF2-40B4-BE49-F238E27FC236}">
-                <a16:creationId xmlns:a16="http://schemas.microsoft.com/office/drawing/2014/main" id="{C32CA220-3FD5-4A1E-A4CA-577E8239F73B}"/>
-              </a:ext>
-            </a:extLst>
-          </p:cNvPr>
-          <p:cNvPicPr>
-            <a:picLocks noChangeAspect="1"/>
-          </p:cNvPicPr>
-          <p:nvPr/>
-        </p:nvPicPr>
-        <p:blipFill rotWithShape="1">
-          <a:blip r:embed="rId3">
-            <a:extLst>
-              <a:ext uri="{28A0092B-C50C-407E-A947-70E740481C1C}">
-                <a14:useLocalDpi xmlns:a14="http://schemas.microsoft.com/office/drawing/2010/main" val="0"/>
-              </a:ext>
-            </a:extLst>
-          </a:blip>
-          <a:srcRect l="9192" r="8088"/>
-          <a:stretch/>
-        </p:blipFill>
-        <p:spPr>
-          <a:xfrm>
-            <a:off x="6307666" y="1964878"/>
-            <a:ext cx="5586335" cy="3372216"/>
-          </a:xfrm>
-          <a:prstGeom prst="rect">
-            <a:avLst/>
-          </a:prstGeom>
-        </p:spPr>
-      </p:pic>
-    </p:spTree>
-    <p:extLst>
-      <p:ext uri="{BB962C8B-B14F-4D97-AF65-F5344CB8AC3E}">
-        <p14:creationId xmlns:p14="http://schemas.microsoft.com/office/powerpoint/2010/main" val="4238879055"/>
-      </p:ext>
-    </p:extLst>
-  </p:cSld>
-  <p:clrMapOvr>
-    <a:masterClrMapping/>
-  </p:clrMapOvr>
-</p:sld>
-</file>
-
-<file path=ppt/slides/slide6.xml><?xml version="1.0" encoding="utf-8"?>
-<p:sld xmlns:a="http://schemas.openxmlformats.org/drawingml/2006/main" xmlns:r="http://schemas.openxmlformats.org/officeDocument/2006/relationships" xmlns:p="http://schemas.openxmlformats.org/presentationml/2006/main">
-  <p:cSld>
-    <p:spTree>
-      <p:nvGrpSpPr>
-        <p:cNvPr id="1" name=""/>
-        <p:cNvGrpSpPr/>
-        <p:nvPr/>
-      </p:nvGrpSpPr>
-      <p:grpSpPr>
-        <a:xfrm>
-          <a:off x="0" y="0"/>
-          <a:ext cx="0" cy="0"/>
-          <a:chOff x="0" y="0"/>
-          <a:chExt cx="0" cy="0"/>
-        </a:xfrm>
-      </p:grpSpPr>
-      <p:sp>
-        <p:nvSpPr>
-          <p:cNvPr id="2" name="Titel 1">
-            <a:extLst>
-              <a:ext uri="{FF2B5EF4-FFF2-40B4-BE49-F238E27FC236}">
-                <a16:creationId xmlns:a16="http://schemas.microsoft.com/office/drawing/2014/main" id="{AAF303C1-6F11-4063-8988-8A61480134F2}"/>
-              </a:ext>
-            </a:extLst>
-          </p:cNvPr>
-          <p:cNvSpPr>
-            <a:spLocks noGrp="1"/>
-          </p:cNvSpPr>
-          <p:nvPr>
-            <p:ph type="title"/>
-          </p:nvPr>
-        </p:nvSpPr>
-        <p:spPr/>
-        <p:txBody>
-          <a:bodyPr/>
-          <a:lstStyle/>
-          <a:p>
-            <a:r>
-              <a:rPr lang="de-DE" dirty="0"/>
-              <a:t>Bisherige Schritte</a:t>
-            </a:r>
-          </a:p>
-        </p:txBody>
-      </p:sp>
-      <p:sp>
-        <p:nvSpPr>
-          <p:cNvPr id="4" name="Textfeld 3">
-            <a:extLst>
-              <a:ext uri="{FF2B5EF4-FFF2-40B4-BE49-F238E27FC236}">
-                <a16:creationId xmlns:a16="http://schemas.microsoft.com/office/drawing/2014/main" id="{C0118B82-5FE9-444A-AD1B-B2D3D28117B7}"/>
-              </a:ext>
-            </a:extLst>
-          </p:cNvPr>
-          <p:cNvSpPr txBox="1"/>
-          <p:nvPr/>
-        </p:nvSpPr>
-        <p:spPr>
-          <a:xfrm>
-            <a:off x="418423" y="735843"/>
             <a:ext cx="9363752" cy="491622"/>
           </a:xfrm>
           <a:prstGeom prst="rect">
@@ -7293,13 +7226,13 @@
             </p:nvSpPr>
             <p:spPr>
               <a:xfrm>
-                <a:off x="656548" y="1404508"/>
-                <a:ext cx="10515600" cy="3662792"/>
+                <a:off x="656549" y="1404508"/>
+                <a:ext cx="6197257" cy="4392286"/>
               </a:xfrm>
             </p:spPr>
             <p:txBody>
               <a:bodyPr>
-                <a:normAutofit/>
+                <a:normAutofit fontScale="92500" lnSpcReduction="20000"/>
               </a:bodyPr>
               <a:lstStyle/>
               <a:p>
@@ -7685,13 +7618,13 @@
             </p:nvSpPr>
             <p:spPr>
               <a:xfrm>
-                <a:off x="656548" y="1404508"/>
-                <a:ext cx="10515600" cy="3662792"/>
+                <a:off x="656549" y="1404508"/>
+                <a:ext cx="6197257" cy="4392286"/>
               </a:xfrm>
               <a:blipFill>
                 <a:blip r:embed="rId2"/>
                 <a:stretch>
-                  <a:fillRect l="-522"/>
+                  <a:fillRect l="-787" t="-693"/>
                 </a:stretch>
               </a:blipFill>
             </p:spPr>
@@ -7710,10 +7643,289 @@
           </p:sp>
         </mc:Fallback>
       </mc:AlternateContent>
+      <p:pic>
+        <p:nvPicPr>
+          <p:cNvPr id="6" name="Grafik 5" descr="Ein Bild, das Fahrrad, Zubehör, drinnen, sitzend enthält.&#10;&#10;Mit hoher Zuverlässigkeit generierte Beschreibung">
+            <a:extLst>
+              <a:ext uri="{FF2B5EF4-FFF2-40B4-BE49-F238E27FC236}">
+                <a16:creationId xmlns:a16="http://schemas.microsoft.com/office/drawing/2014/main" id="{04EC9EE6-05F0-499D-9F60-7D769D3D23EA}"/>
+              </a:ext>
+            </a:extLst>
+          </p:cNvPr>
+          <p:cNvPicPr>
+            <a:picLocks noChangeAspect="1"/>
+          </p:cNvPicPr>
+          <p:nvPr/>
+        </p:nvPicPr>
+        <p:blipFill>
+          <a:blip r:embed="rId3">
+            <a:extLst>
+              <a:ext uri="{28A0092B-C50C-407E-A947-70E740481C1C}">
+                <a14:useLocalDpi xmlns:a14="http://schemas.microsoft.com/office/drawing/2010/main" val="0"/>
+              </a:ext>
+            </a:extLst>
+          </a:blip>
+          <a:stretch>
+            <a:fillRect/>
+          </a:stretch>
+        </p:blipFill>
+        <p:spPr>
+          <a:xfrm>
+            <a:off x="7331974" y="1404508"/>
+            <a:ext cx="4605559" cy="4310804"/>
+          </a:xfrm>
+          <a:prstGeom prst="rect">
+            <a:avLst/>
+          </a:prstGeom>
+        </p:spPr>
+      </p:pic>
     </p:spTree>
     <p:extLst>
       <p:ext uri="{BB962C8B-B14F-4D97-AF65-F5344CB8AC3E}">
         <p14:creationId xmlns:p14="http://schemas.microsoft.com/office/powerpoint/2010/main" val="3444274730"/>
+      </p:ext>
+    </p:extLst>
+  </p:cSld>
+  <p:clrMapOvr>
+    <a:masterClrMapping/>
+  </p:clrMapOvr>
+</p:sld>
+</file>
+
+<file path=ppt/slides/slide6.xml><?xml version="1.0" encoding="utf-8"?>
+<p:sld xmlns:a="http://schemas.openxmlformats.org/drawingml/2006/main" xmlns:r="http://schemas.openxmlformats.org/officeDocument/2006/relationships" xmlns:p="http://schemas.openxmlformats.org/presentationml/2006/main">
+  <p:cSld>
+    <p:spTree>
+      <p:nvGrpSpPr>
+        <p:cNvPr id="1" name=""/>
+        <p:cNvGrpSpPr/>
+        <p:nvPr/>
+      </p:nvGrpSpPr>
+      <p:grpSpPr>
+        <a:xfrm>
+          <a:off x="0" y="0"/>
+          <a:ext cx="0" cy="0"/>
+          <a:chOff x="0" y="0"/>
+          <a:chExt cx="0" cy="0"/>
+        </a:xfrm>
+      </p:grpSpPr>
+      <p:sp>
+        <p:nvSpPr>
+          <p:cNvPr id="2" name="Titel 1">
+            <a:extLst>
+              <a:ext uri="{FF2B5EF4-FFF2-40B4-BE49-F238E27FC236}">
+                <a16:creationId xmlns:a16="http://schemas.microsoft.com/office/drawing/2014/main" id="{AAF303C1-6F11-4063-8988-8A61480134F2}"/>
+              </a:ext>
+            </a:extLst>
+          </p:cNvPr>
+          <p:cNvSpPr>
+            <a:spLocks noGrp="1"/>
+          </p:cNvSpPr>
+          <p:nvPr>
+            <p:ph type="title"/>
+          </p:nvPr>
+        </p:nvSpPr>
+        <p:spPr/>
+        <p:txBody>
+          <a:bodyPr/>
+          <a:lstStyle/>
+          <a:p>
+            <a:r>
+              <a:rPr lang="de-DE" dirty="0"/>
+              <a:t>Bisherige Schritte</a:t>
+            </a:r>
+          </a:p>
+        </p:txBody>
+      </p:sp>
+      <p:sp>
+        <p:nvSpPr>
+          <p:cNvPr id="4" name="Textfeld 3">
+            <a:extLst>
+              <a:ext uri="{FF2B5EF4-FFF2-40B4-BE49-F238E27FC236}">
+                <a16:creationId xmlns:a16="http://schemas.microsoft.com/office/drawing/2014/main" id="{C0118B82-5FE9-444A-AD1B-B2D3D28117B7}"/>
+              </a:ext>
+            </a:extLst>
+          </p:cNvPr>
+          <p:cNvSpPr txBox="1"/>
+          <p:nvPr/>
+        </p:nvSpPr>
+        <p:spPr>
+          <a:xfrm>
+            <a:off x="418423" y="735843"/>
+            <a:ext cx="7058702" cy="491622"/>
+          </a:xfrm>
+          <a:prstGeom prst="rect">
+            <a:avLst/>
+          </a:prstGeom>
+        </p:spPr>
+        <p:txBody>
+          <a:bodyPr vert="horz" wrap="none" lIns="91440" tIns="45720" rIns="91440" bIns="45720" rtlCol="0" anchor="b">
+            <a:normAutofit/>
+          </a:bodyPr>
+          <a:lstStyle/>
+          <a:p>
+            <a:r>
+              <a:rPr lang="de-DE" sz="2400" b="1" dirty="0">
+                <a:latin typeface="Alegreya Sans" panose="00000500000000000000" pitchFamily="50" charset="0"/>
+              </a:rPr>
+              <a:t>Implementierung des</a:t>
+            </a:r>
+            <a:r>
+              <a:rPr lang="de-DE" sz="2400" b="1" i="1" dirty="0">
+                <a:latin typeface="Alegreya Sans" panose="00000500000000000000" pitchFamily="50" charset="0"/>
+              </a:rPr>
+              <a:t> </a:t>
+            </a:r>
+            <a:r>
+              <a:rPr lang="de-DE" sz="2400" b="1" dirty="0">
+                <a:solidFill>
+                  <a:schemeClr val="accent1">
+                    <a:lumMod val="50000"/>
+                  </a:schemeClr>
+                </a:solidFill>
+                <a:latin typeface="Alegreya Sans" panose="00000500000000000000" pitchFamily="50" charset="0"/>
+              </a:rPr>
+              <a:t>Neuronalen Netzes mit symmetrischen Komponenten</a:t>
+            </a:r>
+          </a:p>
+        </p:txBody>
+      </p:sp>
+      <p:pic>
+        <p:nvPicPr>
+          <p:cNvPr id="8" name="Grafik 7">
+            <a:extLst>
+              <a:ext uri="{FF2B5EF4-FFF2-40B4-BE49-F238E27FC236}">
+                <a16:creationId xmlns:a16="http://schemas.microsoft.com/office/drawing/2014/main" id="{0583A84B-C808-4814-A6BC-2CD81514EB0F}"/>
+              </a:ext>
+            </a:extLst>
+          </p:cNvPr>
+          <p:cNvPicPr>
+            <a:picLocks noChangeAspect="1"/>
+          </p:cNvPicPr>
+          <p:nvPr/>
+        </p:nvPicPr>
+        <p:blipFill rotWithShape="1">
+          <a:blip r:embed="rId2">
+            <a:extLst>
+              <a:ext uri="{28A0092B-C50C-407E-A947-70E740481C1C}">
+                <a14:useLocalDpi xmlns:a14="http://schemas.microsoft.com/office/drawing/2010/main" val="0"/>
+              </a:ext>
+            </a:extLst>
+          </a:blip>
+          <a:srcRect l="6629"/>
+          <a:stretch/>
+        </p:blipFill>
+        <p:spPr>
+          <a:xfrm>
+            <a:off x="297999" y="1962944"/>
+            <a:ext cx="6305550" cy="3372216"/>
+          </a:xfrm>
+          <a:prstGeom prst="rect">
+            <a:avLst/>
+          </a:prstGeom>
+        </p:spPr>
+      </p:pic>
+      <p:pic>
+        <p:nvPicPr>
+          <p:cNvPr id="9" name="Grafik 8">
+            <a:extLst>
+              <a:ext uri="{FF2B5EF4-FFF2-40B4-BE49-F238E27FC236}">
+                <a16:creationId xmlns:a16="http://schemas.microsoft.com/office/drawing/2014/main" id="{C32CA220-3FD5-4A1E-A4CA-577E8239F73B}"/>
+              </a:ext>
+            </a:extLst>
+          </p:cNvPr>
+          <p:cNvPicPr>
+            <a:picLocks noChangeAspect="1"/>
+          </p:cNvPicPr>
+          <p:nvPr/>
+        </p:nvPicPr>
+        <p:blipFill rotWithShape="1">
+          <a:blip r:embed="rId3">
+            <a:extLst>
+              <a:ext uri="{28A0092B-C50C-407E-A947-70E740481C1C}">
+                <a14:useLocalDpi xmlns:a14="http://schemas.microsoft.com/office/drawing/2010/main" val="0"/>
+              </a:ext>
+            </a:extLst>
+          </a:blip>
+          <a:srcRect l="9192" r="8088"/>
+          <a:stretch/>
+        </p:blipFill>
+        <p:spPr>
+          <a:xfrm>
+            <a:off x="6307666" y="1964878"/>
+            <a:ext cx="5586335" cy="3372216"/>
+          </a:xfrm>
+          <a:prstGeom prst="rect">
+            <a:avLst/>
+          </a:prstGeom>
+        </p:spPr>
+      </p:pic>
+      <p:sp>
+        <p:nvSpPr>
+          <p:cNvPr id="6" name="Textfeld 5">
+            <a:extLst>
+              <a:ext uri="{FF2B5EF4-FFF2-40B4-BE49-F238E27FC236}">
+                <a16:creationId xmlns:a16="http://schemas.microsoft.com/office/drawing/2014/main" id="{B7076983-85A0-42DF-BD43-0C84F5202419}"/>
+              </a:ext>
+            </a:extLst>
+          </p:cNvPr>
+          <p:cNvSpPr txBox="1"/>
+          <p:nvPr/>
+        </p:nvSpPr>
+        <p:spPr>
+          <a:xfrm>
+            <a:off x="418423" y="1037068"/>
+            <a:ext cx="9363752" cy="491622"/>
+          </a:xfrm>
+          <a:prstGeom prst="rect">
+            <a:avLst/>
+          </a:prstGeom>
+        </p:spPr>
+        <p:txBody>
+          <a:bodyPr vert="horz" wrap="none" lIns="91440" tIns="45720" rIns="91440" bIns="45720" rtlCol="0" anchor="b">
+            <a:normAutofit/>
+          </a:bodyPr>
+          <a:lstStyle/>
+          <a:p>
+            <a:r>
+              <a:rPr lang="de-DE" b="1" dirty="0">
+                <a:latin typeface="Alegreya Sans" panose="00000500000000000000" pitchFamily="50" charset="0"/>
+              </a:rPr>
+              <a:t>Feste</a:t>
+            </a:r>
+            <a:r>
+              <a:rPr lang="de-DE" dirty="0">
+                <a:latin typeface="Alegreya Sans" panose="00000500000000000000" pitchFamily="50" charset="0"/>
+              </a:rPr>
+              <a:t> Parameter - Simulation der </a:t>
+            </a:r>
+            <a:r>
+              <a:rPr lang="de-DE" dirty="0" err="1">
+                <a:latin typeface="Alegreya Sans" panose="00000500000000000000" pitchFamily="50" charset="0"/>
+              </a:rPr>
+              <a:t>CartPole</a:t>
+            </a:r>
+            <a:r>
+              <a:rPr lang="de-DE" dirty="0">
+                <a:latin typeface="Alegreya Sans" panose="00000500000000000000" pitchFamily="50" charset="0"/>
+              </a:rPr>
+              <a:t>-Environment</a:t>
+            </a:r>
+            <a:endParaRPr lang="de-DE" dirty="0">
+              <a:solidFill>
+                <a:schemeClr val="accent1">
+                  <a:lumMod val="50000"/>
+                </a:schemeClr>
+              </a:solidFill>
+              <a:latin typeface="Alegreya Sans" panose="00000500000000000000" pitchFamily="50" charset="0"/>
+            </a:endParaRPr>
+          </a:p>
+        </p:txBody>
+      </p:sp>
+    </p:spTree>
+    <p:extLst>
+      <p:ext uri="{BB962C8B-B14F-4D97-AF65-F5344CB8AC3E}">
+        <p14:creationId xmlns:p14="http://schemas.microsoft.com/office/powerpoint/2010/main" val="4238879055"/>
       </p:ext>
     </p:extLst>
   </p:cSld>
@@ -7892,6 +8104,68 @@
           </a:prstGeom>
         </p:spPr>
       </p:pic>
+      <p:sp>
+        <p:nvSpPr>
+          <p:cNvPr id="6" name="Textfeld 5">
+            <a:extLst>
+              <a:ext uri="{FF2B5EF4-FFF2-40B4-BE49-F238E27FC236}">
+                <a16:creationId xmlns:a16="http://schemas.microsoft.com/office/drawing/2014/main" id="{71F7D442-0D9A-44D7-A8E4-AB799923CBC9}"/>
+              </a:ext>
+            </a:extLst>
+          </p:cNvPr>
+          <p:cNvSpPr txBox="1"/>
+          <p:nvPr/>
+        </p:nvSpPr>
+        <p:spPr>
+          <a:xfrm>
+            <a:off x="418423" y="1037068"/>
+            <a:ext cx="9363752" cy="491622"/>
+          </a:xfrm>
+          <a:prstGeom prst="rect">
+            <a:avLst/>
+          </a:prstGeom>
+        </p:spPr>
+        <p:txBody>
+          <a:bodyPr vert="horz" wrap="none" lIns="91440" tIns="45720" rIns="91440" bIns="45720" rtlCol="0" anchor="b">
+            <a:normAutofit/>
+          </a:bodyPr>
+          <a:lstStyle/>
+          <a:p>
+            <a:r>
+              <a:rPr lang="de-DE" b="1" dirty="0">
+                <a:latin typeface="Alegreya Sans" panose="00000500000000000000" pitchFamily="50" charset="0"/>
+              </a:rPr>
+              <a:t>Dynamische</a:t>
+            </a:r>
+            <a:r>
+              <a:rPr lang="de-DE" dirty="0">
+                <a:latin typeface="Alegreya Sans" panose="00000500000000000000" pitchFamily="50" charset="0"/>
+              </a:rPr>
+              <a:t> Parameter - Simulation der </a:t>
+            </a:r>
+            <a:r>
+              <a:rPr lang="de-DE" dirty="0" err="1">
+                <a:latin typeface="Alegreya Sans" panose="00000500000000000000" pitchFamily="50" charset="0"/>
+              </a:rPr>
+              <a:t>CartPole</a:t>
+            </a:r>
+            <a:r>
+              <a:rPr lang="de-DE" dirty="0">
+                <a:latin typeface="Alegreya Sans" panose="00000500000000000000" pitchFamily="50" charset="0"/>
+              </a:rPr>
+              <a:t>-Environment</a:t>
+            </a:r>
+            <a:endParaRPr lang="de-DE" dirty="0">
+              <a:solidFill>
+                <a:schemeClr val="accent1">
+                  <a:lumMod val="50000"/>
+                </a:schemeClr>
+              </a:solidFill>
+              <a:latin typeface="Alegreya Sans" panose="00000500000000000000" pitchFamily="50" charset="0"/>
+            </a:endParaRPr>
+          </a:p>
+        </p:txBody>
+      </p:sp>
     </p:spTree>
     <p:extLst>
       <p:ext uri="{BB962C8B-B14F-4D97-AF65-F5344CB8AC3E}">
@@ -8281,12 +8555,12 @@
         <p:spPr>
           <a:xfrm>
             <a:off x="656548" y="1404507"/>
-            <a:ext cx="10515600" cy="4717650"/>
+            <a:ext cx="7435792" cy="4717650"/>
           </a:xfrm>
         </p:spPr>
         <p:txBody>
           <a:bodyPr>
-            <a:normAutofit/>
+            <a:normAutofit lnSpcReduction="10000"/>
           </a:bodyPr>
           <a:lstStyle/>
           <a:p>
@@ -8467,6 +8741,2256 @@
           </a:p>
         </p:txBody>
       </p:sp>
+      <p:sp>
+        <p:nvSpPr>
+          <p:cNvPr id="3" name="Textfeld 2">
+            <a:extLst>
+              <a:ext uri="{FF2B5EF4-FFF2-40B4-BE49-F238E27FC236}">
+                <a16:creationId xmlns:a16="http://schemas.microsoft.com/office/drawing/2014/main" id="{328F257A-A249-48E9-8354-8303DDE4A9DE}"/>
+              </a:ext>
+            </a:extLst>
+          </p:cNvPr>
+          <p:cNvSpPr txBox="1"/>
+          <p:nvPr/>
+        </p:nvSpPr>
+        <p:spPr>
+          <a:xfrm>
+            <a:off x="8712867" y="1466908"/>
+            <a:ext cx="914400" cy="341968"/>
+          </a:xfrm>
+          <a:prstGeom prst="rect">
+            <a:avLst/>
+          </a:prstGeom>
+        </p:spPr>
+        <p:txBody>
+          <a:bodyPr vert="horz" wrap="none" lIns="91440" tIns="45720" rIns="91440" bIns="45720" rtlCol="0" anchor="b">
+            <a:normAutofit/>
+          </a:bodyPr>
+          <a:lstStyle/>
+          <a:p>
+            <a:pPr algn="l"/>
+            <a:r>
+              <a:rPr lang="de-DE" sz="1600" b="1" dirty="0">
+                <a:latin typeface="Alegreya Sans" panose="00000500000000000000" pitchFamily="50" charset="0"/>
+              </a:rPr>
+              <a:t>BA Repository</a:t>
+            </a:r>
+          </a:p>
+        </p:txBody>
+      </p:sp>
+      <p:grpSp>
+        <p:nvGrpSpPr>
+          <p:cNvPr id="12" name="Gruppieren 11">
+            <a:extLst>
+              <a:ext uri="{FF2B5EF4-FFF2-40B4-BE49-F238E27FC236}">
+                <a16:creationId xmlns:a16="http://schemas.microsoft.com/office/drawing/2014/main" id="{708D88F5-5DE4-430B-8C44-5FC7A9A0DACC}"/>
+              </a:ext>
+            </a:extLst>
+          </p:cNvPr>
+          <p:cNvGrpSpPr/>
+          <p:nvPr/>
+        </p:nvGrpSpPr>
+        <p:grpSpPr>
+          <a:xfrm>
+            <a:off x="8673427" y="2152592"/>
+            <a:ext cx="238419" cy="234950"/>
+            <a:chOff x="9127831" y="1808876"/>
+            <a:chExt cx="238419" cy="234950"/>
+          </a:xfrm>
+        </p:grpSpPr>
+        <p:cxnSp>
+          <p:nvCxnSpPr>
+            <p:cNvPr id="8" name="Gerader Verbinder 7">
+              <a:extLst>
+                <a:ext uri="{FF2B5EF4-FFF2-40B4-BE49-F238E27FC236}">
+                  <a16:creationId xmlns:a16="http://schemas.microsoft.com/office/drawing/2014/main" id="{EF314128-39F3-48D9-B481-41215E1D7C95}"/>
+                </a:ext>
+              </a:extLst>
+            </p:cNvPr>
+            <p:cNvCxnSpPr>
+              <a:cxnSpLocks/>
+            </p:cNvCxnSpPr>
+            <p:nvPr/>
+          </p:nvCxnSpPr>
+          <p:spPr>
+            <a:xfrm>
+              <a:off x="9127831" y="1808876"/>
+              <a:ext cx="0" cy="234950"/>
+            </a:xfrm>
+            <a:prstGeom prst="line">
+              <a:avLst/>
+            </a:prstGeom>
+            <a:ln w="12700">
+              <a:solidFill>
+                <a:schemeClr val="tx1">
+                  <a:lumMod val="65000"/>
+                  <a:lumOff val="35000"/>
+                </a:schemeClr>
+              </a:solidFill>
+            </a:ln>
+          </p:spPr>
+          <p:style>
+            <a:lnRef idx="1">
+              <a:schemeClr val="dk1"/>
+            </a:lnRef>
+            <a:fillRef idx="0">
+              <a:schemeClr val="dk1"/>
+            </a:fillRef>
+            <a:effectRef idx="0">
+              <a:schemeClr val="dk1"/>
+            </a:effectRef>
+            <a:fontRef idx="minor">
+              <a:schemeClr val="tx1"/>
+            </a:fontRef>
+          </p:style>
+        </p:cxnSp>
+        <p:cxnSp>
+          <p:nvCxnSpPr>
+            <p:cNvPr id="10" name="Gerader Verbinder 9">
+              <a:extLst>
+                <a:ext uri="{FF2B5EF4-FFF2-40B4-BE49-F238E27FC236}">
+                  <a16:creationId xmlns:a16="http://schemas.microsoft.com/office/drawing/2014/main" id="{1860B225-BD3E-4409-A64C-C713FDB47537}"/>
+                </a:ext>
+              </a:extLst>
+            </p:cNvPr>
+            <p:cNvCxnSpPr>
+              <a:cxnSpLocks/>
+            </p:cNvCxnSpPr>
+            <p:nvPr/>
+          </p:nvCxnSpPr>
+          <p:spPr>
+            <a:xfrm flipH="1">
+              <a:off x="9127831" y="2042952"/>
+              <a:ext cx="238419" cy="0"/>
+            </a:xfrm>
+            <a:prstGeom prst="line">
+              <a:avLst/>
+            </a:prstGeom>
+            <a:ln w="12700">
+              <a:solidFill>
+                <a:schemeClr val="tx1">
+                  <a:lumMod val="65000"/>
+                  <a:lumOff val="35000"/>
+                </a:schemeClr>
+              </a:solidFill>
+            </a:ln>
+          </p:spPr>
+          <p:style>
+            <a:lnRef idx="1">
+              <a:schemeClr val="dk1"/>
+            </a:lnRef>
+            <a:fillRef idx="0">
+              <a:schemeClr val="dk1"/>
+            </a:fillRef>
+            <a:effectRef idx="0">
+              <a:schemeClr val="dk1"/>
+            </a:effectRef>
+            <a:fontRef idx="minor">
+              <a:schemeClr val="tx1"/>
+            </a:fontRef>
+          </p:style>
+        </p:cxnSp>
+      </p:grpSp>
+      <p:pic>
+        <p:nvPicPr>
+          <p:cNvPr id="14" name="Grafik 13" descr="Geöffneter Ordner">
+            <a:extLst>
+              <a:ext uri="{FF2B5EF4-FFF2-40B4-BE49-F238E27FC236}">
+                <a16:creationId xmlns:a16="http://schemas.microsoft.com/office/drawing/2014/main" id="{9B51FE93-3350-4D98-8867-01678D536E2D}"/>
+              </a:ext>
+            </a:extLst>
+          </p:cNvPr>
+          <p:cNvPicPr>
+            <a:picLocks noChangeAspect="1"/>
+          </p:cNvPicPr>
+          <p:nvPr/>
+        </p:nvPicPr>
+        <p:blipFill>
+          <a:blip r:embed="rId2">
+            <a:extLst>
+              <a:ext uri="{28A0092B-C50C-407E-A947-70E740481C1C}">
+                <a14:useLocalDpi xmlns:a14="http://schemas.microsoft.com/office/drawing/2010/main" val="0"/>
+              </a:ext>
+              <a:ext uri="{96DAC541-7B7A-43D3-8B79-37D633B846F1}">
+                <asvg:svgBlip xmlns:asvg="http://schemas.microsoft.com/office/drawing/2016/SVG/main" r:embed="rId3"/>
+              </a:ext>
+            </a:extLst>
+          </a:blip>
+          <a:stretch>
+            <a:fillRect/>
+          </a:stretch>
+        </p:blipFill>
+        <p:spPr>
+          <a:xfrm>
+            <a:off x="8924546" y="2267460"/>
+            <a:ext cx="238416" cy="238416"/>
+          </a:xfrm>
+          <a:prstGeom prst="rect">
+            <a:avLst/>
+          </a:prstGeom>
+        </p:spPr>
+      </p:pic>
+      <p:sp>
+        <p:nvSpPr>
+          <p:cNvPr id="15" name="Textfeld 14">
+            <a:extLst>
+              <a:ext uri="{FF2B5EF4-FFF2-40B4-BE49-F238E27FC236}">
+                <a16:creationId xmlns:a16="http://schemas.microsoft.com/office/drawing/2014/main" id="{29DB8707-DE3D-427D-B036-B8D78AD20BFB}"/>
+              </a:ext>
+            </a:extLst>
+          </p:cNvPr>
+          <p:cNvSpPr txBox="1"/>
+          <p:nvPr/>
+        </p:nvSpPr>
+        <p:spPr>
+          <a:xfrm>
+            <a:off x="9106774" y="2203392"/>
+            <a:ext cx="914400" cy="341968"/>
+          </a:xfrm>
+          <a:prstGeom prst="rect">
+            <a:avLst/>
+          </a:prstGeom>
+        </p:spPr>
+        <p:txBody>
+          <a:bodyPr vert="horz" wrap="none" lIns="91440" tIns="45720" rIns="91440" bIns="45720" rtlCol="0" anchor="b">
+            <a:normAutofit/>
+          </a:bodyPr>
+          <a:lstStyle/>
+          <a:p>
+            <a:pPr algn="l"/>
+            <a:r>
+              <a:rPr lang="de-DE" sz="1600" dirty="0" err="1">
+                <a:latin typeface="Alegreya Sans" panose="00000500000000000000" pitchFamily="50" charset="0"/>
+              </a:rPr>
+              <a:t>modules</a:t>
+            </a:r>
+            <a:endParaRPr lang="de-DE" sz="1600" dirty="0">
+              <a:latin typeface="Alegreya Sans" panose="00000500000000000000" pitchFamily="50" charset="0"/>
+            </a:endParaRPr>
+          </a:p>
+        </p:txBody>
+      </p:sp>
+      <p:grpSp>
+        <p:nvGrpSpPr>
+          <p:cNvPr id="16" name="Gruppieren 15">
+            <a:extLst>
+              <a:ext uri="{FF2B5EF4-FFF2-40B4-BE49-F238E27FC236}">
+                <a16:creationId xmlns:a16="http://schemas.microsoft.com/office/drawing/2014/main" id="{396BEAC5-2199-49B6-9FC2-3E311FBC768B}"/>
+              </a:ext>
+            </a:extLst>
+          </p:cNvPr>
+          <p:cNvGrpSpPr/>
+          <p:nvPr/>
+        </p:nvGrpSpPr>
+        <p:grpSpPr>
+          <a:xfrm>
+            <a:off x="9043752" y="2867404"/>
+            <a:ext cx="238419" cy="234950"/>
+            <a:chOff x="9127831" y="1808876"/>
+            <a:chExt cx="238419" cy="234950"/>
+          </a:xfrm>
+        </p:grpSpPr>
+        <p:cxnSp>
+          <p:nvCxnSpPr>
+            <p:cNvPr id="17" name="Gerader Verbinder 16">
+              <a:extLst>
+                <a:ext uri="{FF2B5EF4-FFF2-40B4-BE49-F238E27FC236}">
+                  <a16:creationId xmlns:a16="http://schemas.microsoft.com/office/drawing/2014/main" id="{EA9A12AF-70CD-46F2-87D6-51363F48E89F}"/>
+                </a:ext>
+              </a:extLst>
+            </p:cNvPr>
+            <p:cNvCxnSpPr>
+              <a:cxnSpLocks/>
+            </p:cNvCxnSpPr>
+            <p:nvPr/>
+          </p:nvCxnSpPr>
+          <p:spPr>
+            <a:xfrm>
+              <a:off x="9127831" y="1808876"/>
+              <a:ext cx="0" cy="234950"/>
+            </a:xfrm>
+            <a:prstGeom prst="line">
+              <a:avLst/>
+            </a:prstGeom>
+            <a:ln w="12700">
+              <a:solidFill>
+                <a:schemeClr val="tx1">
+                  <a:lumMod val="65000"/>
+                  <a:lumOff val="35000"/>
+                </a:schemeClr>
+              </a:solidFill>
+            </a:ln>
+          </p:spPr>
+          <p:style>
+            <a:lnRef idx="1">
+              <a:schemeClr val="dk1"/>
+            </a:lnRef>
+            <a:fillRef idx="0">
+              <a:schemeClr val="dk1"/>
+            </a:fillRef>
+            <a:effectRef idx="0">
+              <a:schemeClr val="dk1"/>
+            </a:effectRef>
+            <a:fontRef idx="minor">
+              <a:schemeClr val="tx1"/>
+            </a:fontRef>
+          </p:style>
+        </p:cxnSp>
+        <p:cxnSp>
+          <p:nvCxnSpPr>
+            <p:cNvPr id="18" name="Gerader Verbinder 17">
+              <a:extLst>
+                <a:ext uri="{FF2B5EF4-FFF2-40B4-BE49-F238E27FC236}">
+                  <a16:creationId xmlns:a16="http://schemas.microsoft.com/office/drawing/2014/main" id="{E74B1AB0-0E7A-4A04-9163-FCC60AD78A77}"/>
+                </a:ext>
+              </a:extLst>
+            </p:cNvPr>
+            <p:cNvCxnSpPr>
+              <a:cxnSpLocks/>
+            </p:cNvCxnSpPr>
+            <p:nvPr/>
+          </p:nvCxnSpPr>
+          <p:spPr>
+            <a:xfrm flipH="1">
+              <a:off x="9127831" y="2042952"/>
+              <a:ext cx="238419" cy="0"/>
+            </a:xfrm>
+            <a:prstGeom prst="line">
+              <a:avLst/>
+            </a:prstGeom>
+            <a:ln w="12700">
+              <a:solidFill>
+                <a:schemeClr val="tx1">
+                  <a:lumMod val="65000"/>
+                  <a:lumOff val="35000"/>
+                </a:schemeClr>
+              </a:solidFill>
+            </a:ln>
+          </p:spPr>
+          <p:style>
+            <a:lnRef idx="1">
+              <a:schemeClr val="dk1"/>
+            </a:lnRef>
+            <a:fillRef idx="0">
+              <a:schemeClr val="dk1"/>
+            </a:fillRef>
+            <a:effectRef idx="0">
+              <a:schemeClr val="dk1"/>
+            </a:effectRef>
+            <a:fontRef idx="minor">
+              <a:schemeClr val="tx1"/>
+            </a:fontRef>
+          </p:style>
+        </p:cxnSp>
+      </p:grpSp>
+      <p:sp>
+        <p:nvSpPr>
+          <p:cNvPr id="19" name="Textfeld 18">
+            <a:extLst>
+              <a:ext uri="{FF2B5EF4-FFF2-40B4-BE49-F238E27FC236}">
+                <a16:creationId xmlns:a16="http://schemas.microsoft.com/office/drawing/2014/main" id="{7C7E37BB-5EDD-4699-87AD-8D1E161E5D91}"/>
+              </a:ext>
+            </a:extLst>
+          </p:cNvPr>
+          <p:cNvSpPr txBox="1"/>
+          <p:nvPr/>
+        </p:nvSpPr>
+        <p:spPr>
+          <a:xfrm>
+            <a:off x="9475177" y="2902344"/>
+            <a:ext cx="914400" cy="341968"/>
+          </a:xfrm>
+          <a:prstGeom prst="rect">
+            <a:avLst/>
+          </a:prstGeom>
+        </p:spPr>
+        <p:txBody>
+          <a:bodyPr vert="horz" wrap="none" lIns="91440" tIns="45720" rIns="91440" bIns="45720" rtlCol="0" anchor="b">
+            <a:normAutofit/>
+          </a:bodyPr>
+          <a:lstStyle/>
+          <a:p>
+            <a:pPr algn="l"/>
+            <a:r>
+              <a:rPr lang="de-DE" sz="1400" dirty="0">
+                <a:latin typeface="Miriam Fixed" panose="020B0509050101010101" pitchFamily="49" charset="-79"/>
+                <a:cs typeface="Miriam Fixed" panose="020B0509050101010101" pitchFamily="49" charset="-79"/>
+              </a:rPr>
+              <a:t>random_search.py</a:t>
+            </a:r>
+          </a:p>
+        </p:txBody>
+      </p:sp>
+      <p:grpSp>
+        <p:nvGrpSpPr>
+          <p:cNvPr id="20" name="Gruppieren 19">
+            <a:extLst>
+              <a:ext uri="{FF2B5EF4-FFF2-40B4-BE49-F238E27FC236}">
+                <a16:creationId xmlns:a16="http://schemas.microsoft.com/office/drawing/2014/main" id="{AA9D5A62-3BAE-4B31-BE6A-D3CF24B4CD19}"/>
+              </a:ext>
+            </a:extLst>
+          </p:cNvPr>
+          <p:cNvGrpSpPr/>
+          <p:nvPr/>
+        </p:nvGrpSpPr>
+        <p:grpSpPr>
+          <a:xfrm>
+            <a:off x="9047030" y="3208440"/>
+            <a:ext cx="238419" cy="234950"/>
+            <a:chOff x="9127831" y="1808876"/>
+            <a:chExt cx="238419" cy="234950"/>
+          </a:xfrm>
+        </p:grpSpPr>
+        <p:cxnSp>
+          <p:nvCxnSpPr>
+            <p:cNvPr id="21" name="Gerader Verbinder 20">
+              <a:extLst>
+                <a:ext uri="{FF2B5EF4-FFF2-40B4-BE49-F238E27FC236}">
+                  <a16:creationId xmlns:a16="http://schemas.microsoft.com/office/drawing/2014/main" id="{68E31B20-5494-4DAE-BCF9-5B2F599F7034}"/>
+                </a:ext>
+              </a:extLst>
+            </p:cNvPr>
+            <p:cNvCxnSpPr>
+              <a:cxnSpLocks/>
+            </p:cNvCxnSpPr>
+            <p:nvPr/>
+          </p:nvCxnSpPr>
+          <p:spPr>
+            <a:xfrm>
+              <a:off x="9127831" y="1808876"/>
+              <a:ext cx="0" cy="234950"/>
+            </a:xfrm>
+            <a:prstGeom prst="line">
+              <a:avLst/>
+            </a:prstGeom>
+            <a:ln w="12700">
+              <a:solidFill>
+                <a:schemeClr val="tx1">
+                  <a:lumMod val="65000"/>
+                  <a:lumOff val="35000"/>
+                </a:schemeClr>
+              </a:solidFill>
+            </a:ln>
+          </p:spPr>
+          <p:style>
+            <a:lnRef idx="1">
+              <a:schemeClr val="dk1"/>
+            </a:lnRef>
+            <a:fillRef idx="0">
+              <a:schemeClr val="dk1"/>
+            </a:fillRef>
+            <a:effectRef idx="0">
+              <a:schemeClr val="dk1"/>
+            </a:effectRef>
+            <a:fontRef idx="minor">
+              <a:schemeClr val="tx1"/>
+            </a:fontRef>
+          </p:style>
+        </p:cxnSp>
+        <p:cxnSp>
+          <p:nvCxnSpPr>
+            <p:cNvPr id="22" name="Gerader Verbinder 21">
+              <a:extLst>
+                <a:ext uri="{FF2B5EF4-FFF2-40B4-BE49-F238E27FC236}">
+                  <a16:creationId xmlns:a16="http://schemas.microsoft.com/office/drawing/2014/main" id="{098F2605-9DAB-4201-A481-E1222980F4F6}"/>
+                </a:ext>
+              </a:extLst>
+            </p:cNvPr>
+            <p:cNvCxnSpPr>
+              <a:cxnSpLocks/>
+            </p:cNvCxnSpPr>
+            <p:nvPr/>
+          </p:nvCxnSpPr>
+          <p:spPr>
+            <a:xfrm flipH="1">
+              <a:off x="9127831" y="2042952"/>
+              <a:ext cx="238419" cy="0"/>
+            </a:xfrm>
+            <a:prstGeom prst="line">
+              <a:avLst/>
+            </a:prstGeom>
+            <a:ln w="12700">
+              <a:solidFill>
+                <a:schemeClr val="tx1">
+                  <a:lumMod val="65000"/>
+                  <a:lumOff val="35000"/>
+                </a:schemeClr>
+              </a:solidFill>
+            </a:ln>
+          </p:spPr>
+          <p:style>
+            <a:lnRef idx="1">
+              <a:schemeClr val="dk1"/>
+            </a:lnRef>
+            <a:fillRef idx="0">
+              <a:schemeClr val="dk1"/>
+            </a:fillRef>
+            <a:effectRef idx="0">
+              <a:schemeClr val="dk1"/>
+            </a:effectRef>
+            <a:fontRef idx="minor">
+              <a:schemeClr val="tx1"/>
+            </a:fontRef>
+          </p:style>
+        </p:cxnSp>
+      </p:grpSp>
+      <p:sp>
+        <p:nvSpPr>
+          <p:cNvPr id="23" name="Textfeld 22">
+            <a:extLst>
+              <a:ext uri="{FF2B5EF4-FFF2-40B4-BE49-F238E27FC236}">
+                <a16:creationId xmlns:a16="http://schemas.microsoft.com/office/drawing/2014/main" id="{E4867001-B62B-43B1-9C34-F6B52B85BBAF}"/>
+              </a:ext>
+            </a:extLst>
+          </p:cNvPr>
+          <p:cNvSpPr txBox="1"/>
+          <p:nvPr/>
+        </p:nvSpPr>
+        <p:spPr>
+          <a:xfrm>
+            <a:off x="9478455" y="3243380"/>
+            <a:ext cx="914400" cy="341968"/>
+          </a:xfrm>
+          <a:prstGeom prst="rect">
+            <a:avLst/>
+          </a:prstGeom>
+        </p:spPr>
+        <p:txBody>
+          <a:bodyPr vert="horz" wrap="none" lIns="91440" tIns="45720" rIns="91440" bIns="45720" rtlCol="0" anchor="b">
+            <a:normAutofit/>
+          </a:bodyPr>
+          <a:lstStyle/>
+          <a:p>
+            <a:pPr algn="l"/>
+            <a:r>
+              <a:rPr lang="de-DE" sz="1400" dirty="0">
+                <a:latin typeface="Miriam Fixed" panose="020B0509050101010101" pitchFamily="49" charset="-79"/>
+                <a:cs typeface="Miriam Fixed" panose="020B0509050101010101" pitchFamily="49" charset="-79"/>
+              </a:rPr>
+              <a:t>lif.py</a:t>
+            </a:r>
+          </a:p>
+        </p:txBody>
+      </p:sp>
+      <p:grpSp>
+        <p:nvGrpSpPr>
+          <p:cNvPr id="24" name="Gruppieren 23">
+            <a:extLst>
+              <a:ext uri="{FF2B5EF4-FFF2-40B4-BE49-F238E27FC236}">
+                <a16:creationId xmlns:a16="http://schemas.microsoft.com/office/drawing/2014/main" id="{4E8A8862-9F3C-4702-AFB6-4AF964FB323F}"/>
+              </a:ext>
+            </a:extLst>
+          </p:cNvPr>
+          <p:cNvGrpSpPr/>
+          <p:nvPr/>
+        </p:nvGrpSpPr>
+        <p:grpSpPr>
+          <a:xfrm>
+            <a:off x="9043752" y="3582610"/>
+            <a:ext cx="238419" cy="234950"/>
+            <a:chOff x="9127831" y="1808876"/>
+            <a:chExt cx="238419" cy="234950"/>
+          </a:xfrm>
+        </p:grpSpPr>
+        <p:cxnSp>
+          <p:nvCxnSpPr>
+            <p:cNvPr id="25" name="Gerader Verbinder 24">
+              <a:extLst>
+                <a:ext uri="{FF2B5EF4-FFF2-40B4-BE49-F238E27FC236}">
+                  <a16:creationId xmlns:a16="http://schemas.microsoft.com/office/drawing/2014/main" id="{0B70C843-A88A-4A26-9F0E-91B9C2A20B26}"/>
+                </a:ext>
+              </a:extLst>
+            </p:cNvPr>
+            <p:cNvCxnSpPr>
+              <a:cxnSpLocks/>
+            </p:cNvCxnSpPr>
+            <p:nvPr/>
+          </p:nvCxnSpPr>
+          <p:spPr>
+            <a:xfrm>
+              <a:off x="9127831" y="1808876"/>
+              <a:ext cx="0" cy="234950"/>
+            </a:xfrm>
+            <a:prstGeom prst="line">
+              <a:avLst/>
+            </a:prstGeom>
+            <a:ln w="12700">
+              <a:solidFill>
+                <a:schemeClr val="tx1">
+                  <a:lumMod val="65000"/>
+                  <a:lumOff val="35000"/>
+                </a:schemeClr>
+              </a:solidFill>
+            </a:ln>
+          </p:spPr>
+          <p:style>
+            <a:lnRef idx="1">
+              <a:schemeClr val="dk1"/>
+            </a:lnRef>
+            <a:fillRef idx="0">
+              <a:schemeClr val="dk1"/>
+            </a:fillRef>
+            <a:effectRef idx="0">
+              <a:schemeClr val="dk1"/>
+            </a:effectRef>
+            <a:fontRef idx="minor">
+              <a:schemeClr val="tx1"/>
+            </a:fontRef>
+          </p:style>
+        </p:cxnSp>
+        <p:cxnSp>
+          <p:nvCxnSpPr>
+            <p:cNvPr id="26" name="Gerader Verbinder 25">
+              <a:extLst>
+                <a:ext uri="{FF2B5EF4-FFF2-40B4-BE49-F238E27FC236}">
+                  <a16:creationId xmlns:a16="http://schemas.microsoft.com/office/drawing/2014/main" id="{857958AE-D8B7-4C51-B911-C6721DBDD705}"/>
+                </a:ext>
+              </a:extLst>
+            </p:cNvPr>
+            <p:cNvCxnSpPr>
+              <a:cxnSpLocks/>
+            </p:cNvCxnSpPr>
+            <p:nvPr/>
+          </p:nvCxnSpPr>
+          <p:spPr>
+            <a:xfrm flipH="1">
+              <a:off x="9127831" y="2042952"/>
+              <a:ext cx="238419" cy="0"/>
+            </a:xfrm>
+            <a:prstGeom prst="line">
+              <a:avLst/>
+            </a:prstGeom>
+            <a:ln w="12700">
+              <a:solidFill>
+                <a:schemeClr val="tx1">
+                  <a:lumMod val="65000"/>
+                  <a:lumOff val="35000"/>
+                </a:schemeClr>
+              </a:solidFill>
+            </a:ln>
+          </p:spPr>
+          <p:style>
+            <a:lnRef idx="1">
+              <a:schemeClr val="dk1"/>
+            </a:lnRef>
+            <a:fillRef idx="0">
+              <a:schemeClr val="dk1"/>
+            </a:fillRef>
+            <a:effectRef idx="0">
+              <a:schemeClr val="dk1"/>
+            </a:effectRef>
+            <a:fontRef idx="minor">
+              <a:schemeClr val="tx1"/>
+            </a:fontRef>
+          </p:style>
+        </p:cxnSp>
+      </p:grpSp>
+      <p:sp>
+        <p:nvSpPr>
+          <p:cNvPr id="27" name="Textfeld 26">
+            <a:extLst>
+              <a:ext uri="{FF2B5EF4-FFF2-40B4-BE49-F238E27FC236}">
+                <a16:creationId xmlns:a16="http://schemas.microsoft.com/office/drawing/2014/main" id="{9B795F85-E0CA-4E7B-AB80-72296936C860}"/>
+              </a:ext>
+            </a:extLst>
+          </p:cNvPr>
+          <p:cNvSpPr txBox="1"/>
+          <p:nvPr/>
+        </p:nvSpPr>
+        <p:spPr>
+          <a:xfrm>
+            <a:off x="9475177" y="3617550"/>
+            <a:ext cx="914400" cy="341968"/>
+          </a:xfrm>
+          <a:prstGeom prst="rect">
+            <a:avLst/>
+          </a:prstGeom>
+        </p:spPr>
+        <p:txBody>
+          <a:bodyPr vert="horz" wrap="none" lIns="91440" tIns="45720" rIns="91440" bIns="45720" rtlCol="0" anchor="b">
+            <a:normAutofit/>
+          </a:bodyPr>
+          <a:lstStyle/>
+          <a:p>
+            <a:pPr algn="l"/>
+            <a:r>
+              <a:rPr lang="de-DE" sz="1400" dirty="0">
+                <a:latin typeface="Miriam Fixed" panose="020B0509050101010101" pitchFamily="49" charset="-79"/>
+                <a:cs typeface="Miriam Fixed" panose="020B0509050101010101" pitchFamily="49" charset="-79"/>
+              </a:rPr>
+              <a:t>visiualize.py</a:t>
+            </a:r>
+          </a:p>
+        </p:txBody>
+      </p:sp>
+      <p:sp>
+        <p:nvSpPr>
+          <p:cNvPr id="31" name="Textfeld 30">
+            <a:extLst>
+              <a:ext uri="{FF2B5EF4-FFF2-40B4-BE49-F238E27FC236}">
+                <a16:creationId xmlns:a16="http://schemas.microsoft.com/office/drawing/2014/main" id="{ED7A51A6-AA5F-463B-AA2F-4F2EC524F95E}"/>
+              </a:ext>
+            </a:extLst>
+          </p:cNvPr>
+          <p:cNvSpPr txBox="1"/>
+          <p:nvPr/>
+        </p:nvSpPr>
+        <p:spPr>
+          <a:xfrm>
+            <a:off x="9475177" y="3991634"/>
+            <a:ext cx="914400" cy="341968"/>
+          </a:xfrm>
+          <a:prstGeom prst="rect">
+            <a:avLst/>
+          </a:prstGeom>
+        </p:spPr>
+        <p:txBody>
+          <a:bodyPr vert="horz" wrap="none" lIns="91440" tIns="45720" rIns="91440" bIns="45720" rtlCol="0" anchor="b">
+            <a:normAutofit/>
+          </a:bodyPr>
+          <a:lstStyle/>
+          <a:p>
+            <a:pPr algn="l"/>
+            <a:r>
+              <a:rPr lang="de-DE" sz="1400" dirty="0">
+                <a:latin typeface="Miriam Fixed" panose="020B0509050101010101" pitchFamily="49" charset="-79"/>
+                <a:cs typeface="Miriam Fixed" panose="020B0509050101010101" pitchFamily="49" charset="-79"/>
+              </a:rPr>
+              <a:t>inspect.py</a:t>
+            </a:r>
+          </a:p>
+        </p:txBody>
+      </p:sp>
+      <p:grpSp>
+        <p:nvGrpSpPr>
+          <p:cNvPr id="32" name="Gruppieren 31">
+            <a:extLst>
+              <a:ext uri="{FF2B5EF4-FFF2-40B4-BE49-F238E27FC236}">
+                <a16:creationId xmlns:a16="http://schemas.microsoft.com/office/drawing/2014/main" id="{2443A240-8D73-4928-B868-14FFCF13FBA6}"/>
+              </a:ext>
+            </a:extLst>
+          </p:cNvPr>
+          <p:cNvGrpSpPr/>
+          <p:nvPr/>
+        </p:nvGrpSpPr>
+        <p:grpSpPr>
+          <a:xfrm>
+            <a:off x="8676806" y="4333602"/>
+            <a:ext cx="238419" cy="276576"/>
+            <a:chOff x="9127831" y="1767250"/>
+            <a:chExt cx="238419" cy="276576"/>
+          </a:xfrm>
+        </p:grpSpPr>
+        <p:cxnSp>
+          <p:nvCxnSpPr>
+            <p:cNvPr id="33" name="Gerader Verbinder 32">
+              <a:extLst>
+                <a:ext uri="{FF2B5EF4-FFF2-40B4-BE49-F238E27FC236}">
+                  <a16:creationId xmlns:a16="http://schemas.microsoft.com/office/drawing/2014/main" id="{8BF43B0B-9C3A-4604-A215-F3DB17E1C402}"/>
+                </a:ext>
+              </a:extLst>
+            </p:cNvPr>
+            <p:cNvCxnSpPr>
+              <a:cxnSpLocks/>
+            </p:cNvCxnSpPr>
+            <p:nvPr/>
+          </p:nvCxnSpPr>
+          <p:spPr>
+            <a:xfrm>
+              <a:off x="9127831" y="1767250"/>
+              <a:ext cx="0" cy="276576"/>
+            </a:xfrm>
+            <a:prstGeom prst="line">
+              <a:avLst/>
+            </a:prstGeom>
+            <a:ln w="12700">
+              <a:solidFill>
+                <a:schemeClr val="tx1">
+                  <a:lumMod val="65000"/>
+                  <a:lumOff val="35000"/>
+                </a:schemeClr>
+              </a:solidFill>
+            </a:ln>
+          </p:spPr>
+          <p:style>
+            <a:lnRef idx="1">
+              <a:schemeClr val="dk1"/>
+            </a:lnRef>
+            <a:fillRef idx="0">
+              <a:schemeClr val="dk1"/>
+            </a:fillRef>
+            <a:effectRef idx="0">
+              <a:schemeClr val="dk1"/>
+            </a:effectRef>
+            <a:fontRef idx="minor">
+              <a:schemeClr val="tx1"/>
+            </a:fontRef>
+          </p:style>
+        </p:cxnSp>
+        <p:cxnSp>
+          <p:nvCxnSpPr>
+            <p:cNvPr id="34" name="Gerader Verbinder 33">
+              <a:extLst>
+                <a:ext uri="{FF2B5EF4-FFF2-40B4-BE49-F238E27FC236}">
+                  <a16:creationId xmlns:a16="http://schemas.microsoft.com/office/drawing/2014/main" id="{CEE0E536-7836-4EE9-9655-58B4F037FA44}"/>
+                </a:ext>
+              </a:extLst>
+            </p:cNvPr>
+            <p:cNvCxnSpPr>
+              <a:cxnSpLocks/>
+            </p:cNvCxnSpPr>
+            <p:nvPr/>
+          </p:nvCxnSpPr>
+          <p:spPr>
+            <a:xfrm flipH="1">
+              <a:off x="9127831" y="2042952"/>
+              <a:ext cx="238419" cy="0"/>
+            </a:xfrm>
+            <a:prstGeom prst="line">
+              <a:avLst/>
+            </a:prstGeom>
+            <a:ln w="12700">
+              <a:solidFill>
+                <a:schemeClr val="tx1">
+                  <a:lumMod val="65000"/>
+                  <a:lumOff val="35000"/>
+                </a:schemeClr>
+              </a:solidFill>
+            </a:ln>
+          </p:spPr>
+          <p:style>
+            <a:lnRef idx="1">
+              <a:schemeClr val="dk1"/>
+            </a:lnRef>
+            <a:fillRef idx="0">
+              <a:schemeClr val="dk1"/>
+            </a:fillRef>
+            <a:effectRef idx="0">
+              <a:schemeClr val="dk1"/>
+            </a:effectRef>
+            <a:fontRef idx="minor">
+              <a:schemeClr val="tx1"/>
+            </a:fontRef>
+          </p:style>
+        </p:cxnSp>
+      </p:grpSp>
+      <p:pic>
+        <p:nvPicPr>
+          <p:cNvPr id="35" name="Grafik 34" descr="Geöffneter Ordner">
+            <a:extLst>
+              <a:ext uri="{FF2B5EF4-FFF2-40B4-BE49-F238E27FC236}">
+                <a16:creationId xmlns:a16="http://schemas.microsoft.com/office/drawing/2014/main" id="{839C21EC-0600-4E0D-824E-9FAFD7B6DAD7}"/>
+              </a:ext>
+            </a:extLst>
+          </p:cNvPr>
+          <p:cNvPicPr>
+            <a:picLocks noChangeAspect="1"/>
+          </p:cNvPicPr>
+          <p:nvPr/>
+        </p:nvPicPr>
+        <p:blipFill>
+          <a:blip r:embed="rId2">
+            <a:extLst>
+              <a:ext uri="{28A0092B-C50C-407E-A947-70E740481C1C}">
+                <a14:useLocalDpi xmlns:a14="http://schemas.microsoft.com/office/drawing/2010/main" val="0"/>
+              </a:ext>
+              <a:ext uri="{96DAC541-7B7A-43D3-8B79-37D633B846F1}">
+                <asvg:svgBlip xmlns:asvg="http://schemas.microsoft.com/office/drawing/2016/SVG/main" r:embed="rId3"/>
+              </a:ext>
+            </a:extLst>
+          </a:blip>
+          <a:stretch>
+            <a:fillRect/>
+          </a:stretch>
+        </p:blipFill>
+        <p:spPr>
+          <a:xfrm>
+            <a:off x="8919536" y="4490096"/>
+            <a:ext cx="238416" cy="238416"/>
+          </a:xfrm>
+          <a:prstGeom prst="rect">
+            <a:avLst/>
+          </a:prstGeom>
+        </p:spPr>
+      </p:pic>
+      <p:sp>
+        <p:nvSpPr>
+          <p:cNvPr id="36" name="Textfeld 35">
+            <a:extLst>
+              <a:ext uri="{FF2B5EF4-FFF2-40B4-BE49-F238E27FC236}">
+                <a16:creationId xmlns:a16="http://schemas.microsoft.com/office/drawing/2014/main" id="{431B94AF-C493-4CD7-AF68-D07D83B11B24}"/>
+              </a:ext>
+            </a:extLst>
+          </p:cNvPr>
+          <p:cNvSpPr txBox="1"/>
+          <p:nvPr/>
+        </p:nvSpPr>
+        <p:spPr>
+          <a:xfrm>
+            <a:off x="9101764" y="4426028"/>
+            <a:ext cx="914400" cy="341968"/>
+          </a:xfrm>
+          <a:prstGeom prst="rect">
+            <a:avLst/>
+          </a:prstGeom>
+        </p:spPr>
+        <p:txBody>
+          <a:bodyPr vert="horz" wrap="none" lIns="91440" tIns="45720" rIns="91440" bIns="45720" rtlCol="0" anchor="b">
+            <a:normAutofit/>
+          </a:bodyPr>
+          <a:lstStyle/>
+          <a:p>
+            <a:pPr algn="l"/>
+            <a:r>
+              <a:rPr lang="de-DE" sz="1600" dirty="0" err="1">
+                <a:latin typeface="Alegreya Sans" panose="00000500000000000000" pitchFamily="50" charset="0"/>
+              </a:rPr>
+              <a:t>parameter_dumps</a:t>
+            </a:r>
+            <a:endParaRPr lang="de-DE" sz="1600" dirty="0">
+              <a:latin typeface="Alegreya Sans" panose="00000500000000000000" pitchFamily="50" charset="0"/>
+            </a:endParaRPr>
+          </a:p>
+        </p:txBody>
+      </p:sp>
+      <p:grpSp>
+        <p:nvGrpSpPr>
+          <p:cNvPr id="39" name="Gruppieren 38">
+            <a:extLst>
+              <a:ext uri="{FF2B5EF4-FFF2-40B4-BE49-F238E27FC236}">
+                <a16:creationId xmlns:a16="http://schemas.microsoft.com/office/drawing/2014/main" id="{09D3A59A-1988-48FA-B72A-077F71612C3F}"/>
+              </a:ext>
+            </a:extLst>
+          </p:cNvPr>
+          <p:cNvGrpSpPr/>
+          <p:nvPr/>
+        </p:nvGrpSpPr>
+        <p:grpSpPr>
+          <a:xfrm>
+            <a:off x="9043752" y="4800214"/>
+            <a:ext cx="238419" cy="234950"/>
+            <a:chOff x="9127831" y="1808876"/>
+            <a:chExt cx="238419" cy="234950"/>
+          </a:xfrm>
+        </p:grpSpPr>
+        <p:cxnSp>
+          <p:nvCxnSpPr>
+            <p:cNvPr id="40" name="Gerader Verbinder 39">
+              <a:extLst>
+                <a:ext uri="{FF2B5EF4-FFF2-40B4-BE49-F238E27FC236}">
+                  <a16:creationId xmlns:a16="http://schemas.microsoft.com/office/drawing/2014/main" id="{C9847C35-EFB5-4F79-9166-3D644A10F299}"/>
+                </a:ext>
+              </a:extLst>
+            </p:cNvPr>
+            <p:cNvCxnSpPr>
+              <a:cxnSpLocks/>
+            </p:cNvCxnSpPr>
+            <p:nvPr/>
+          </p:nvCxnSpPr>
+          <p:spPr>
+            <a:xfrm>
+              <a:off x="9127831" y="1808876"/>
+              <a:ext cx="0" cy="234950"/>
+            </a:xfrm>
+            <a:prstGeom prst="line">
+              <a:avLst/>
+            </a:prstGeom>
+            <a:ln w="12700">
+              <a:solidFill>
+                <a:schemeClr val="tx1">
+                  <a:lumMod val="65000"/>
+                  <a:lumOff val="35000"/>
+                </a:schemeClr>
+              </a:solidFill>
+            </a:ln>
+          </p:spPr>
+          <p:style>
+            <a:lnRef idx="1">
+              <a:schemeClr val="dk1"/>
+            </a:lnRef>
+            <a:fillRef idx="0">
+              <a:schemeClr val="dk1"/>
+            </a:fillRef>
+            <a:effectRef idx="0">
+              <a:schemeClr val="dk1"/>
+            </a:effectRef>
+            <a:fontRef idx="minor">
+              <a:schemeClr val="tx1"/>
+            </a:fontRef>
+          </p:style>
+        </p:cxnSp>
+        <p:cxnSp>
+          <p:nvCxnSpPr>
+            <p:cNvPr id="41" name="Gerader Verbinder 40">
+              <a:extLst>
+                <a:ext uri="{FF2B5EF4-FFF2-40B4-BE49-F238E27FC236}">
+                  <a16:creationId xmlns:a16="http://schemas.microsoft.com/office/drawing/2014/main" id="{9A2CC1FA-DF76-46AC-99A8-A410F8E04A3E}"/>
+                </a:ext>
+              </a:extLst>
+            </p:cNvPr>
+            <p:cNvCxnSpPr>
+              <a:cxnSpLocks/>
+            </p:cNvCxnSpPr>
+            <p:nvPr/>
+          </p:nvCxnSpPr>
+          <p:spPr>
+            <a:xfrm flipH="1">
+              <a:off x="9127831" y="2042952"/>
+              <a:ext cx="238419" cy="0"/>
+            </a:xfrm>
+            <a:prstGeom prst="line">
+              <a:avLst/>
+            </a:prstGeom>
+            <a:ln w="12700">
+              <a:solidFill>
+                <a:schemeClr val="tx1">
+                  <a:lumMod val="65000"/>
+                  <a:lumOff val="35000"/>
+                </a:schemeClr>
+              </a:solidFill>
+            </a:ln>
+          </p:spPr>
+          <p:style>
+            <a:lnRef idx="1">
+              <a:schemeClr val="dk1"/>
+            </a:lnRef>
+            <a:fillRef idx="0">
+              <a:schemeClr val="dk1"/>
+            </a:fillRef>
+            <a:effectRef idx="0">
+              <a:schemeClr val="dk1"/>
+            </a:effectRef>
+            <a:fontRef idx="minor">
+              <a:schemeClr val="tx1"/>
+            </a:fontRef>
+          </p:style>
+        </p:cxnSp>
+      </p:grpSp>
+      <p:sp>
+        <p:nvSpPr>
+          <p:cNvPr id="42" name="Textfeld 41">
+            <a:extLst>
+              <a:ext uri="{FF2B5EF4-FFF2-40B4-BE49-F238E27FC236}">
+                <a16:creationId xmlns:a16="http://schemas.microsoft.com/office/drawing/2014/main" id="{70A40AD9-3040-4548-BD68-C7CAF29A7105}"/>
+              </a:ext>
+            </a:extLst>
+          </p:cNvPr>
+          <p:cNvSpPr txBox="1"/>
+          <p:nvPr/>
+        </p:nvSpPr>
+        <p:spPr>
+          <a:xfrm>
+            <a:off x="9506403" y="4822454"/>
+            <a:ext cx="914400" cy="341968"/>
+          </a:xfrm>
+          <a:prstGeom prst="rect">
+            <a:avLst/>
+          </a:prstGeom>
+        </p:spPr>
+        <p:txBody>
+          <a:bodyPr vert="horz" wrap="none" lIns="91440" tIns="45720" rIns="91440" bIns="45720" rtlCol="0" anchor="b">
+            <a:normAutofit/>
+          </a:bodyPr>
+          <a:lstStyle/>
+          <a:p>
+            <a:pPr algn="l"/>
+            <a:r>
+              <a:rPr lang="de-DE" sz="1200" dirty="0">
+                <a:latin typeface="Miriam Fixed" panose="020B0509050101010101" pitchFamily="49" charset="-79"/>
+                <a:cs typeface="Miriam Fixed" panose="020B0509050101010101" pitchFamily="49" charset="-79"/>
+              </a:rPr>
+              <a:t>&lt;date&gt;_&lt;</a:t>
+            </a:r>
+            <a:r>
+              <a:rPr lang="de-DE" sz="1200" dirty="0" err="1">
+                <a:latin typeface="Miriam Fixed" panose="020B0509050101010101" pitchFamily="49" charset="-79"/>
+                <a:cs typeface="Miriam Fixed" panose="020B0509050101010101" pitchFamily="49" charset="-79"/>
+              </a:rPr>
+              <a:t>method</a:t>
+            </a:r>
+            <a:r>
+              <a:rPr lang="de-DE" sz="1200" dirty="0">
+                <a:latin typeface="Miriam Fixed" panose="020B0509050101010101" pitchFamily="49" charset="-79"/>
+                <a:cs typeface="Miriam Fixed" panose="020B0509050101010101" pitchFamily="49" charset="-79"/>
+              </a:rPr>
+              <a:t>&gt;_&lt;</a:t>
+            </a:r>
+            <a:r>
+              <a:rPr lang="de-DE" sz="1200" dirty="0" err="1">
+                <a:latin typeface="Miriam Fixed" panose="020B0509050101010101" pitchFamily="49" charset="-79"/>
+                <a:cs typeface="Miriam Fixed" panose="020B0509050101010101" pitchFamily="49" charset="-79"/>
+              </a:rPr>
+              <a:t>reward</a:t>
+            </a:r>
+            <a:r>
+              <a:rPr lang="de-DE" sz="1200" dirty="0">
+                <a:latin typeface="Miriam Fixed" panose="020B0509050101010101" pitchFamily="49" charset="-79"/>
+                <a:cs typeface="Miriam Fixed" panose="020B0509050101010101" pitchFamily="49" charset="-79"/>
+              </a:rPr>
+              <a:t>&gt;.p</a:t>
+            </a:r>
+          </a:p>
+        </p:txBody>
+      </p:sp>
+      <p:grpSp>
+        <p:nvGrpSpPr>
+          <p:cNvPr id="43" name="Gruppieren 42">
+            <a:extLst>
+              <a:ext uri="{FF2B5EF4-FFF2-40B4-BE49-F238E27FC236}">
+                <a16:creationId xmlns:a16="http://schemas.microsoft.com/office/drawing/2014/main" id="{3FFB2730-99D8-4828-A1BE-6E83A8984C6C}"/>
+              </a:ext>
+            </a:extLst>
+          </p:cNvPr>
+          <p:cNvGrpSpPr/>
+          <p:nvPr/>
+        </p:nvGrpSpPr>
+        <p:grpSpPr>
+          <a:xfrm>
+            <a:off x="9043170" y="2532293"/>
+            <a:ext cx="238419" cy="234950"/>
+            <a:chOff x="9127831" y="1808876"/>
+            <a:chExt cx="238419" cy="234950"/>
+          </a:xfrm>
+        </p:grpSpPr>
+        <p:cxnSp>
+          <p:nvCxnSpPr>
+            <p:cNvPr id="44" name="Gerader Verbinder 43">
+              <a:extLst>
+                <a:ext uri="{FF2B5EF4-FFF2-40B4-BE49-F238E27FC236}">
+                  <a16:creationId xmlns:a16="http://schemas.microsoft.com/office/drawing/2014/main" id="{96963F6C-5E3B-4DF1-BACD-21BC0B7FE244}"/>
+                </a:ext>
+              </a:extLst>
+            </p:cNvPr>
+            <p:cNvCxnSpPr>
+              <a:cxnSpLocks/>
+            </p:cNvCxnSpPr>
+            <p:nvPr/>
+          </p:nvCxnSpPr>
+          <p:spPr>
+            <a:xfrm>
+              <a:off x="9127831" y="1808876"/>
+              <a:ext cx="0" cy="234950"/>
+            </a:xfrm>
+            <a:prstGeom prst="line">
+              <a:avLst/>
+            </a:prstGeom>
+            <a:ln w="12700">
+              <a:solidFill>
+                <a:schemeClr val="tx1">
+                  <a:lumMod val="65000"/>
+                  <a:lumOff val="35000"/>
+                </a:schemeClr>
+              </a:solidFill>
+            </a:ln>
+          </p:spPr>
+          <p:style>
+            <a:lnRef idx="1">
+              <a:schemeClr val="dk1"/>
+            </a:lnRef>
+            <a:fillRef idx="0">
+              <a:schemeClr val="dk1"/>
+            </a:fillRef>
+            <a:effectRef idx="0">
+              <a:schemeClr val="dk1"/>
+            </a:effectRef>
+            <a:fontRef idx="minor">
+              <a:schemeClr val="tx1"/>
+            </a:fontRef>
+          </p:style>
+        </p:cxnSp>
+        <p:cxnSp>
+          <p:nvCxnSpPr>
+            <p:cNvPr id="45" name="Gerader Verbinder 44">
+              <a:extLst>
+                <a:ext uri="{FF2B5EF4-FFF2-40B4-BE49-F238E27FC236}">
+                  <a16:creationId xmlns:a16="http://schemas.microsoft.com/office/drawing/2014/main" id="{C0FE384E-F190-410C-AFBC-A4C9511E2098}"/>
+                </a:ext>
+              </a:extLst>
+            </p:cNvPr>
+            <p:cNvCxnSpPr>
+              <a:cxnSpLocks/>
+            </p:cNvCxnSpPr>
+            <p:nvPr/>
+          </p:nvCxnSpPr>
+          <p:spPr>
+            <a:xfrm flipH="1">
+              <a:off x="9127831" y="2042952"/>
+              <a:ext cx="238419" cy="0"/>
+            </a:xfrm>
+            <a:prstGeom prst="line">
+              <a:avLst/>
+            </a:prstGeom>
+            <a:ln w="12700">
+              <a:solidFill>
+                <a:schemeClr val="tx1">
+                  <a:lumMod val="65000"/>
+                  <a:lumOff val="35000"/>
+                </a:schemeClr>
+              </a:solidFill>
+            </a:ln>
+          </p:spPr>
+          <p:style>
+            <a:lnRef idx="1">
+              <a:schemeClr val="dk1"/>
+            </a:lnRef>
+            <a:fillRef idx="0">
+              <a:schemeClr val="dk1"/>
+            </a:fillRef>
+            <a:effectRef idx="0">
+              <a:schemeClr val="dk1"/>
+            </a:effectRef>
+            <a:fontRef idx="minor">
+              <a:schemeClr val="tx1"/>
+            </a:fontRef>
+          </p:style>
+        </p:cxnSp>
+      </p:grpSp>
+      <p:sp>
+        <p:nvSpPr>
+          <p:cNvPr id="46" name="Textfeld 45">
+            <a:extLst>
+              <a:ext uri="{FF2B5EF4-FFF2-40B4-BE49-F238E27FC236}">
+                <a16:creationId xmlns:a16="http://schemas.microsoft.com/office/drawing/2014/main" id="{784F7C53-2241-4FF8-BA8C-5AD162A53710}"/>
+              </a:ext>
+            </a:extLst>
+          </p:cNvPr>
+          <p:cNvSpPr txBox="1"/>
+          <p:nvPr/>
+        </p:nvSpPr>
+        <p:spPr>
+          <a:xfrm>
+            <a:off x="9474595" y="2567233"/>
+            <a:ext cx="914400" cy="341968"/>
+          </a:xfrm>
+          <a:prstGeom prst="rect">
+            <a:avLst/>
+          </a:prstGeom>
+        </p:spPr>
+        <p:txBody>
+          <a:bodyPr vert="horz" wrap="none" lIns="91440" tIns="45720" rIns="91440" bIns="45720" rtlCol="0" anchor="b">
+            <a:normAutofit/>
+          </a:bodyPr>
+          <a:lstStyle/>
+          <a:p>
+            <a:pPr algn="l"/>
+            <a:r>
+              <a:rPr lang="de-DE" sz="1400" dirty="0">
+                <a:latin typeface="Miriam Fixed" panose="020B0509050101010101" pitchFamily="49" charset="-79"/>
+                <a:cs typeface="Miriam Fixed" panose="020B0509050101010101" pitchFamily="49" charset="-79"/>
+              </a:rPr>
+              <a:t>genetic_search.py</a:t>
+            </a:r>
+          </a:p>
+        </p:txBody>
+      </p:sp>
+      <p:grpSp>
+        <p:nvGrpSpPr>
+          <p:cNvPr id="48" name="Gruppieren 47">
+            <a:extLst>
+              <a:ext uri="{FF2B5EF4-FFF2-40B4-BE49-F238E27FC236}">
+                <a16:creationId xmlns:a16="http://schemas.microsoft.com/office/drawing/2014/main" id="{9E7D3053-30F2-40DA-B547-E19D63D123C2}"/>
+              </a:ext>
+            </a:extLst>
+          </p:cNvPr>
+          <p:cNvGrpSpPr/>
+          <p:nvPr/>
+        </p:nvGrpSpPr>
+        <p:grpSpPr>
+          <a:xfrm>
+            <a:off x="9047030" y="2693216"/>
+            <a:ext cx="238419" cy="1499387"/>
+            <a:chOff x="9127831" y="544439"/>
+            <a:chExt cx="238419" cy="1499387"/>
+          </a:xfrm>
+        </p:grpSpPr>
+        <p:cxnSp>
+          <p:nvCxnSpPr>
+            <p:cNvPr id="49" name="Gerader Verbinder 48">
+              <a:extLst>
+                <a:ext uri="{FF2B5EF4-FFF2-40B4-BE49-F238E27FC236}">
+                  <a16:creationId xmlns:a16="http://schemas.microsoft.com/office/drawing/2014/main" id="{6074EAA1-BD16-48AD-89E8-0D7E7C5772C9}"/>
+                </a:ext>
+              </a:extLst>
+            </p:cNvPr>
+            <p:cNvCxnSpPr>
+              <a:cxnSpLocks/>
+            </p:cNvCxnSpPr>
+            <p:nvPr/>
+          </p:nvCxnSpPr>
+          <p:spPr>
+            <a:xfrm>
+              <a:off x="9127831" y="544439"/>
+              <a:ext cx="0" cy="1499387"/>
+            </a:xfrm>
+            <a:prstGeom prst="line">
+              <a:avLst/>
+            </a:prstGeom>
+            <a:ln w="12700">
+              <a:solidFill>
+                <a:schemeClr val="tx1">
+                  <a:lumMod val="65000"/>
+                  <a:lumOff val="35000"/>
+                </a:schemeClr>
+              </a:solidFill>
+            </a:ln>
+          </p:spPr>
+          <p:style>
+            <a:lnRef idx="1">
+              <a:schemeClr val="dk1"/>
+            </a:lnRef>
+            <a:fillRef idx="0">
+              <a:schemeClr val="dk1"/>
+            </a:fillRef>
+            <a:effectRef idx="0">
+              <a:schemeClr val="dk1"/>
+            </a:effectRef>
+            <a:fontRef idx="minor">
+              <a:schemeClr val="tx1"/>
+            </a:fontRef>
+          </p:style>
+        </p:cxnSp>
+        <p:cxnSp>
+          <p:nvCxnSpPr>
+            <p:cNvPr id="50" name="Gerader Verbinder 49">
+              <a:extLst>
+                <a:ext uri="{FF2B5EF4-FFF2-40B4-BE49-F238E27FC236}">
+                  <a16:creationId xmlns:a16="http://schemas.microsoft.com/office/drawing/2014/main" id="{192B4A72-C3BE-4765-9B83-B0D3B4C5D887}"/>
+                </a:ext>
+              </a:extLst>
+            </p:cNvPr>
+            <p:cNvCxnSpPr>
+              <a:cxnSpLocks/>
+            </p:cNvCxnSpPr>
+            <p:nvPr/>
+          </p:nvCxnSpPr>
+          <p:spPr>
+            <a:xfrm flipH="1">
+              <a:off x="9127831" y="2042952"/>
+              <a:ext cx="238419" cy="0"/>
+            </a:xfrm>
+            <a:prstGeom prst="line">
+              <a:avLst/>
+            </a:prstGeom>
+            <a:ln w="12700">
+              <a:solidFill>
+                <a:schemeClr val="tx1">
+                  <a:lumMod val="65000"/>
+                  <a:lumOff val="35000"/>
+                </a:schemeClr>
+              </a:solidFill>
+            </a:ln>
+          </p:spPr>
+          <p:style>
+            <a:lnRef idx="1">
+              <a:schemeClr val="dk1"/>
+            </a:lnRef>
+            <a:fillRef idx="0">
+              <a:schemeClr val="dk1"/>
+            </a:fillRef>
+            <a:effectRef idx="0">
+              <a:schemeClr val="dk1"/>
+            </a:effectRef>
+            <a:fontRef idx="minor">
+              <a:schemeClr val="tx1"/>
+            </a:fontRef>
+          </p:style>
+        </p:cxnSp>
+      </p:grpSp>
+      <p:pic>
+        <p:nvPicPr>
+          <p:cNvPr id="53" name="Grafik 52">
+            <a:extLst>
+              <a:ext uri="{FF2B5EF4-FFF2-40B4-BE49-F238E27FC236}">
+                <a16:creationId xmlns:a16="http://schemas.microsoft.com/office/drawing/2014/main" id="{DA29EDCD-0520-494A-8B38-A987DB17169E}"/>
+              </a:ext>
+            </a:extLst>
+          </p:cNvPr>
+          <p:cNvPicPr>
+            <a:picLocks noChangeAspect="1"/>
+          </p:cNvPicPr>
+          <p:nvPr/>
+        </p:nvPicPr>
+        <p:blipFill>
+          <a:blip r:embed="rId4">
+            <a:extLst>
+              <a:ext uri="{BEBA8EAE-BF5A-486C-A8C5-ECC9F3942E4B}">
+                <a14:imgProps xmlns:a14="http://schemas.microsoft.com/office/drawing/2010/main">
+                  <a14:imgLayer r:embed="rId5">
+                    <a14:imgEffect>
+                      <a14:saturation sat="0"/>
+                    </a14:imgEffect>
+                  </a14:imgLayer>
+                </a14:imgProps>
+              </a:ext>
+              <a:ext uri="{28A0092B-C50C-407E-A947-70E740481C1C}">
+                <a14:useLocalDpi xmlns:a14="http://schemas.microsoft.com/office/drawing/2010/main" val="0"/>
+              </a:ext>
+            </a:extLst>
+          </a:blip>
+          <a:stretch>
+            <a:fillRect/>
+          </a:stretch>
+        </p:blipFill>
+        <p:spPr>
+          <a:xfrm>
+            <a:off x="9341753" y="2680107"/>
+            <a:ext cx="167779" cy="167779"/>
+          </a:xfrm>
+          <a:prstGeom prst="rect">
+            <a:avLst/>
+          </a:prstGeom>
+        </p:spPr>
+      </p:pic>
+      <p:pic>
+        <p:nvPicPr>
+          <p:cNvPr id="54" name="Grafik 53">
+            <a:extLst>
+              <a:ext uri="{FF2B5EF4-FFF2-40B4-BE49-F238E27FC236}">
+                <a16:creationId xmlns:a16="http://schemas.microsoft.com/office/drawing/2014/main" id="{37E035F3-F381-4301-B00C-7A5CCC8BA7EF}"/>
+              </a:ext>
+            </a:extLst>
+          </p:cNvPr>
+          <p:cNvPicPr>
+            <a:picLocks noChangeAspect="1"/>
+          </p:cNvPicPr>
+          <p:nvPr/>
+        </p:nvPicPr>
+        <p:blipFill>
+          <a:blip r:embed="rId4">
+            <a:extLst>
+              <a:ext uri="{BEBA8EAE-BF5A-486C-A8C5-ECC9F3942E4B}">
+                <a14:imgProps xmlns:a14="http://schemas.microsoft.com/office/drawing/2010/main">
+                  <a14:imgLayer r:embed="rId5">
+                    <a14:imgEffect>
+                      <a14:saturation sat="0"/>
+                    </a14:imgEffect>
+                  </a14:imgLayer>
+                </a14:imgProps>
+              </a:ext>
+              <a:ext uri="{28A0092B-C50C-407E-A947-70E740481C1C}">
+                <a14:useLocalDpi xmlns:a14="http://schemas.microsoft.com/office/drawing/2010/main" val="0"/>
+              </a:ext>
+            </a:extLst>
+          </a:blip>
+          <a:stretch>
+            <a:fillRect/>
+          </a:stretch>
+        </p:blipFill>
+        <p:spPr>
+          <a:xfrm>
+            <a:off x="9340963" y="3019873"/>
+            <a:ext cx="167779" cy="167779"/>
+          </a:xfrm>
+          <a:prstGeom prst="rect">
+            <a:avLst/>
+          </a:prstGeom>
+        </p:spPr>
+      </p:pic>
+      <p:pic>
+        <p:nvPicPr>
+          <p:cNvPr id="55" name="Grafik 54">
+            <a:extLst>
+              <a:ext uri="{FF2B5EF4-FFF2-40B4-BE49-F238E27FC236}">
+                <a16:creationId xmlns:a16="http://schemas.microsoft.com/office/drawing/2014/main" id="{301A8A95-D5AC-425C-9545-3F559C45EDCE}"/>
+              </a:ext>
+            </a:extLst>
+          </p:cNvPr>
+          <p:cNvPicPr>
+            <a:picLocks noChangeAspect="1"/>
+          </p:cNvPicPr>
+          <p:nvPr/>
+        </p:nvPicPr>
+        <p:blipFill>
+          <a:blip r:embed="rId4">
+            <a:extLst>
+              <a:ext uri="{BEBA8EAE-BF5A-486C-A8C5-ECC9F3942E4B}">
+                <a14:imgProps xmlns:a14="http://schemas.microsoft.com/office/drawing/2010/main">
+                  <a14:imgLayer r:embed="rId5">
+                    <a14:imgEffect>
+                      <a14:saturation sat="0"/>
+                    </a14:imgEffect>
+                  </a14:imgLayer>
+                </a14:imgProps>
+              </a:ext>
+              <a:ext uri="{28A0092B-C50C-407E-A947-70E740481C1C}">
+                <a14:useLocalDpi xmlns:a14="http://schemas.microsoft.com/office/drawing/2010/main" val="0"/>
+              </a:ext>
+            </a:extLst>
+          </a:blip>
+          <a:stretch>
+            <a:fillRect/>
+          </a:stretch>
+        </p:blipFill>
+        <p:spPr>
+          <a:xfrm>
+            <a:off x="9341986" y="3359528"/>
+            <a:ext cx="167779" cy="167779"/>
+          </a:xfrm>
+          <a:prstGeom prst="rect">
+            <a:avLst/>
+          </a:prstGeom>
+        </p:spPr>
+      </p:pic>
+      <p:pic>
+        <p:nvPicPr>
+          <p:cNvPr id="57" name="Grafik 56">
+            <a:extLst>
+              <a:ext uri="{FF2B5EF4-FFF2-40B4-BE49-F238E27FC236}">
+                <a16:creationId xmlns:a16="http://schemas.microsoft.com/office/drawing/2014/main" id="{70191EF5-45E2-4C38-9CCC-7AF0173133BD}"/>
+              </a:ext>
+            </a:extLst>
+          </p:cNvPr>
+          <p:cNvPicPr>
+            <a:picLocks noChangeAspect="1"/>
+          </p:cNvPicPr>
+          <p:nvPr/>
+        </p:nvPicPr>
+        <p:blipFill>
+          <a:blip r:embed="rId4">
+            <a:extLst>
+              <a:ext uri="{BEBA8EAE-BF5A-486C-A8C5-ECC9F3942E4B}">
+                <a14:imgProps xmlns:a14="http://schemas.microsoft.com/office/drawing/2010/main">
+                  <a14:imgLayer r:embed="rId5">
+                    <a14:imgEffect>
+                      <a14:saturation sat="0"/>
+                    </a14:imgEffect>
+                  </a14:imgLayer>
+                </a14:imgProps>
+              </a:ext>
+              <a:ext uri="{28A0092B-C50C-407E-A947-70E740481C1C}">
+                <a14:useLocalDpi xmlns:a14="http://schemas.microsoft.com/office/drawing/2010/main" val="0"/>
+              </a:ext>
+            </a:extLst>
+          </a:blip>
+          <a:stretch>
+            <a:fillRect/>
+          </a:stretch>
+        </p:blipFill>
+        <p:spPr>
+          <a:xfrm>
+            <a:off x="9340730" y="3736189"/>
+            <a:ext cx="167779" cy="167779"/>
+          </a:xfrm>
+          <a:prstGeom prst="rect">
+            <a:avLst/>
+          </a:prstGeom>
+        </p:spPr>
+      </p:pic>
+      <p:pic>
+        <p:nvPicPr>
+          <p:cNvPr id="58" name="Grafik 57">
+            <a:extLst>
+              <a:ext uri="{FF2B5EF4-FFF2-40B4-BE49-F238E27FC236}">
+                <a16:creationId xmlns:a16="http://schemas.microsoft.com/office/drawing/2014/main" id="{E3C53CD4-742D-4801-80FA-33414D6D5D2A}"/>
+              </a:ext>
+            </a:extLst>
+          </p:cNvPr>
+          <p:cNvPicPr>
+            <a:picLocks noChangeAspect="1"/>
+          </p:cNvPicPr>
+          <p:nvPr/>
+        </p:nvPicPr>
+        <p:blipFill>
+          <a:blip r:embed="rId4">
+            <a:extLst>
+              <a:ext uri="{BEBA8EAE-BF5A-486C-A8C5-ECC9F3942E4B}">
+                <a14:imgProps xmlns:a14="http://schemas.microsoft.com/office/drawing/2010/main">
+                  <a14:imgLayer r:embed="rId5">
+                    <a14:imgEffect>
+                      <a14:saturation sat="0"/>
+                    </a14:imgEffect>
+                  </a14:imgLayer>
+                </a14:imgProps>
+              </a:ext>
+              <a:ext uri="{28A0092B-C50C-407E-A947-70E740481C1C}">
+                <a14:useLocalDpi xmlns:a14="http://schemas.microsoft.com/office/drawing/2010/main" val="0"/>
+              </a:ext>
+            </a:extLst>
+          </a:blip>
+          <a:stretch>
+            <a:fillRect/>
+          </a:stretch>
+        </p:blipFill>
+        <p:spPr>
+          <a:xfrm>
+            <a:off x="9341753" y="4113944"/>
+            <a:ext cx="167779" cy="167779"/>
+          </a:xfrm>
+          <a:prstGeom prst="rect">
+            <a:avLst/>
+          </a:prstGeom>
+        </p:spPr>
+      </p:pic>
+      <p:pic>
+        <p:nvPicPr>
+          <p:cNvPr id="59" name="Grafik 58">
+            <a:extLst>
+              <a:ext uri="{FF2B5EF4-FFF2-40B4-BE49-F238E27FC236}">
+                <a16:creationId xmlns:a16="http://schemas.microsoft.com/office/drawing/2014/main" id="{42D5367F-4CA8-4C0A-8E08-94C9FC4CE639}"/>
+              </a:ext>
+            </a:extLst>
+          </p:cNvPr>
+          <p:cNvPicPr>
+            <a:picLocks noChangeAspect="1"/>
+          </p:cNvPicPr>
+          <p:nvPr/>
+        </p:nvPicPr>
+        <p:blipFill>
+          <a:blip r:embed="rId6">
+            <a:extLst>
+              <a:ext uri="{BEBA8EAE-BF5A-486C-A8C5-ECC9F3942E4B}">
+                <a14:imgProps xmlns:a14="http://schemas.microsoft.com/office/drawing/2010/main">
+                  <a14:imgLayer r:embed="rId7">
+                    <a14:imgEffect>
+                      <a14:backgroundRemoval t="10000" b="90000" l="10000" r="90000">
+                        <a14:foregroundMark x1="25893" y1="66786" x2="25893" y2="66786"/>
+                        <a14:foregroundMark x1="27500" y1="68571" x2="27500" y2="68571"/>
+                        <a14:foregroundMark x1="29107" y1="70179" x2="29107" y2="70179"/>
+                        <a14:foregroundMark x1="30893" y1="72500" x2="30893" y2="72500"/>
+                        <a14:foregroundMark x1="33571" y1="73750" x2="33571" y2="73750"/>
+                        <a14:foregroundMark x1="36607" y1="74286" x2="36607" y2="74286"/>
+                        <a14:foregroundMark x1="39286" y1="74107" x2="39286" y2="74107"/>
+                      </a14:backgroundRemoval>
+                    </a14:imgEffect>
+                  </a14:imgLayer>
+                </a14:imgProps>
+              </a:ext>
+              <a:ext uri="{28A0092B-C50C-407E-A947-70E740481C1C}">
+                <a14:useLocalDpi xmlns:a14="http://schemas.microsoft.com/office/drawing/2010/main" val="0"/>
+              </a:ext>
+            </a:extLst>
+          </a:blip>
+          <a:stretch>
+            <a:fillRect/>
+          </a:stretch>
+        </p:blipFill>
+        <p:spPr>
+          <a:xfrm>
+            <a:off x="8543949" y="1493030"/>
+            <a:ext cx="258956" cy="258956"/>
+          </a:xfrm>
+          <a:prstGeom prst="rect">
+            <a:avLst/>
+          </a:prstGeom>
+        </p:spPr>
+      </p:pic>
+      <p:grpSp>
+        <p:nvGrpSpPr>
+          <p:cNvPr id="60" name="Gruppieren 59">
+            <a:extLst>
+              <a:ext uri="{FF2B5EF4-FFF2-40B4-BE49-F238E27FC236}">
+                <a16:creationId xmlns:a16="http://schemas.microsoft.com/office/drawing/2014/main" id="{9EF6F930-7440-4F31-9299-7C1248F95490}"/>
+              </a:ext>
+            </a:extLst>
+          </p:cNvPr>
+          <p:cNvGrpSpPr/>
+          <p:nvPr/>
+        </p:nvGrpSpPr>
+        <p:grpSpPr>
+          <a:xfrm>
+            <a:off x="8676515" y="1818096"/>
+            <a:ext cx="238419" cy="234950"/>
+            <a:chOff x="9127831" y="1808876"/>
+            <a:chExt cx="238419" cy="234950"/>
+          </a:xfrm>
+        </p:grpSpPr>
+        <p:cxnSp>
+          <p:nvCxnSpPr>
+            <p:cNvPr id="61" name="Gerader Verbinder 60">
+              <a:extLst>
+                <a:ext uri="{FF2B5EF4-FFF2-40B4-BE49-F238E27FC236}">
+                  <a16:creationId xmlns:a16="http://schemas.microsoft.com/office/drawing/2014/main" id="{95F99E09-C9CE-46A4-9B91-59F77A01FB06}"/>
+                </a:ext>
+              </a:extLst>
+            </p:cNvPr>
+            <p:cNvCxnSpPr>
+              <a:cxnSpLocks/>
+            </p:cNvCxnSpPr>
+            <p:nvPr/>
+          </p:nvCxnSpPr>
+          <p:spPr>
+            <a:xfrm>
+              <a:off x="9127831" y="1808876"/>
+              <a:ext cx="0" cy="234950"/>
+            </a:xfrm>
+            <a:prstGeom prst="line">
+              <a:avLst/>
+            </a:prstGeom>
+            <a:ln w="12700">
+              <a:solidFill>
+                <a:schemeClr val="tx1">
+                  <a:lumMod val="65000"/>
+                  <a:lumOff val="35000"/>
+                </a:schemeClr>
+              </a:solidFill>
+            </a:ln>
+          </p:spPr>
+          <p:style>
+            <a:lnRef idx="1">
+              <a:schemeClr val="dk1"/>
+            </a:lnRef>
+            <a:fillRef idx="0">
+              <a:schemeClr val="dk1"/>
+            </a:fillRef>
+            <a:effectRef idx="0">
+              <a:schemeClr val="dk1"/>
+            </a:effectRef>
+            <a:fontRef idx="minor">
+              <a:schemeClr val="tx1"/>
+            </a:fontRef>
+          </p:style>
+        </p:cxnSp>
+        <p:cxnSp>
+          <p:nvCxnSpPr>
+            <p:cNvPr id="62" name="Gerader Verbinder 61">
+              <a:extLst>
+                <a:ext uri="{FF2B5EF4-FFF2-40B4-BE49-F238E27FC236}">
+                  <a16:creationId xmlns:a16="http://schemas.microsoft.com/office/drawing/2014/main" id="{68EC21FE-0262-42E0-B16E-04672FD36EA3}"/>
+                </a:ext>
+              </a:extLst>
+            </p:cNvPr>
+            <p:cNvCxnSpPr>
+              <a:cxnSpLocks/>
+            </p:cNvCxnSpPr>
+            <p:nvPr/>
+          </p:nvCxnSpPr>
+          <p:spPr>
+            <a:xfrm flipH="1">
+              <a:off x="9127831" y="2042952"/>
+              <a:ext cx="238419" cy="0"/>
+            </a:xfrm>
+            <a:prstGeom prst="line">
+              <a:avLst/>
+            </a:prstGeom>
+            <a:ln w="12700">
+              <a:solidFill>
+                <a:schemeClr val="tx1">
+                  <a:lumMod val="65000"/>
+                  <a:lumOff val="35000"/>
+                </a:schemeClr>
+              </a:solidFill>
+            </a:ln>
+          </p:spPr>
+          <p:style>
+            <a:lnRef idx="1">
+              <a:schemeClr val="dk1"/>
+            </a:lnRef>
+            <a:fillRef idx="0">
+              <a:schemeClr val="dk1"/>
+            </a:fillRef>
+            <a:effectRef idx="0">
+              <a:schemeClr val="dk1"/>
+            </a:effectRef>
+            <a:fontRef idx="minor">
+              <a:schemeClr val="tx1"/>
+            </a:fontRef>
+          </p:style>
+        </p:cxnSp>
+      </p:grpSp>
+      <p:pic>
+        <p:nvPicPr>
+          <p:cNvPr id="63" name="Grafik 62" descr="Geöffneter Ordner">
+            <a:extLst>
+              <a:ext uri="{FF2B5EF4-FFF2-40B4-BE49-F238E27FC236}">
+                <a16:creationId xmlns:a16="http://schemas.microsoft.com/office/drawing/2014/main" id="{8C4AC5A2-BD0B-42B0-A444-44B6289A3932}"/>
+              </a:ext>
+            </a:extLst>
+          </p:cNvPr>
+          <p:cNvPicPr>
+            <a:picLocks noChangeAspect="1"/>
+          </p:cNvPicPr>
+          <p:nvPr/>
+        </p:nvPicPr>
+        <p:blipFill>
+          <a:blip r:embed="rId2">
+            <a:extLst>
+              <a:ext uri="{28A0092B-C50C-407E-A947-70E740481C1C}">
+                <a14:useLocalDpi xmlns:a14="http://schemas.microsoft.com/office/drawing/2010/main" val="0"/>
+              </a:ext>
+              <a:ext uri="{96DAC541-7B7A-43D3-8B79-37D633B846F1}">
+                <asvg:svgBlip xmlns:asvg="http://schemas.microsoft.com/office/drawing/2016/SVG/main" r:embed="rId3"/>
+              </a:ext>
+            </a:extLst>
+          </a:blip>
+          <a:stretch>
+            <a:fillRect/>
+          </a:stretch>
+        </p:blipFill>
+        <p:spPr>
+          <a:xfrm>
+            <a:off x="8927634" y="1932964"/>
+            <a:ext cx="238416" cy="238416"/>
+          </a:xfrm>
+          <a:prstGeom prst="rect">
+            <a:avLst/>
+          </a:prstGeom>
+        </p:spPr>
+      </p:pic>
+      <p:sp>
+        <p:nvSpPr>
+          <p:cNvPr id="64" name="Textfeld 63">
+            <a:extLst>
+              <a:ext uri="{FF2B5EF4-FFF2-40B4-BE49-F238E27FC236}">
+                <a16:creationId xmlns:a16="http://schemas.microsoft.com/office/drawing/2014/main" id="{4EB52271-01D2-4519-B07D-00664D6D139E}"/>
+              </a:ext>
+            </a:extLst>
+          </p:cNvPr>
+          <p:cNvSpPr txBox="1"/>
+          <p:nvPr/>
+        </p:nvSpPr>
+        <p:spPr>
+          <a:xfrm>
+            <a:off x="9109862" y="1868896"/>
+            <a:ext cx="914400" cy="341968"/>
+          </a:xfrm>
+          <a:prstGeom prst="rect">
+            <a:avLst/>
+          </a:prstGeom>
+        </p:spPr>
+        <p:txBody>
+          <a:bodyPr vert="horz" wrap="none" lIns="91440" tIns="45720" rIns="91440" bIns="45720" rtlCol="0" anchor="b">
+            <a:normAutofit/>
+          </a:bodyPr>
+          <a:lstStyle/>
+          <a:p>
+            <a:pPr algn="l"/>
+            <a:r>
+              <a:rPr lang="de-DE" sz="1600" dirty="0" err="1">
+                <a:latin typeface="Alegreya Sans" panose="00000500000000000000" pitchFamily="50" charset="0"/>
+              </a:rPr>
+              <a:t>docs</a:t>
+            </a:r>
+            <a:endParaRPr lang="de-DE" sz="1600" dirty="0">
+              <a:latin typeface="Alegreya Sans" panose="00000500000000000000" pitchFamily="50" charset="0"/>
+            </a:endParaRPr>
+          </a:p>
+        </p:txBody>
+      </p:sp>
+      <p:pic>
+        <p:nvPicPr>
+          <p:cNvPr id="67" name="Grafik 66" descr="Herunterladen">
+            <a:extLst>
+              <a:ext uri="{FF2B5EF4-FFF2-40B4-BE49-F238E27FC236}">
+                <a16:creationId xmlns:a16="http://schemas.microsoft.com/office/drawing/2014/main" id="{AF5DDBF0-60DB-400C-8525-9748BEFD5F1E}"/>
+              </a:ext>
+            </a:extLst>
+          </p:cNvPr>
+          <p:cNvPicPr>
+            <a:picLocks noChangeAspect="1"/>
+          </p:cNvPicPr>
+          <p:nvPr/>
+        </p:nvPicPr>
+        <p:blipFill>
+          <a:blip r:embed="rId8">
+            <a:extLst>
+              <a:ext uri="{28A0092B-C50C-407E-A947-70E740481C1C}">
+                <a14:useLocalDpi xmlns:a14="http://schemas.microsoft.com/office/drawing/2010/main" val="0"/>
+              </a:ext>
+              <a:ext uri="{96DAC541-7B7A-43D3-8B79-37D633B846F1}">
+                <asvg:svgBlip xmlns:asvg="http://schemas.microsoft.com/office/drawing/2016/SVG/main" r:embed="rId9"/>
+              </a:ext>
+            </a:extLst>
+          </a:blip>
+          <a:stretch>
+            <a:fillRect/>
+          </a:stretch>
+        </p:blipFill>
+        <p:spPr>
+          <a:xfrm>
+            <a:off x="9297218" y="4902763"/>
+            <a:ext cx="254802" cy="254802"/>
+          </a:xfrm>
+          <a:prstGeom prst="rect">
+            <a:avLst/>
+          </a:prstGeom>
+        </p:spPr>
+      </p:pic>
+      <p:grpSp>
+        <p:nvGrpSpPr>
+          <p:cNvPr id="68" name="Gruppieren 67">
+            <a:extLst>
+              <a:ext uri="{FF2B5EF4-FFF2-40B4-BE49-F238E27FC236}">
+                <a16:creationId xmlns:a16="http://schemas.microsoft.com/office/drawing/2014/main" id="{1902C8EA-161E-4F7D-9228-2D48AE4C4717}"/>
+              </a:ext>
+            </a:extLst>
+          </p:cNvPr>
+          <p:cNvGrpSpPr/>
+          <p:nvPr/>
+        </p:nvGrpSpPr>
+        <p:grpSpPr>
+          <a:xfrm>
+            <a:off x="8673427" y="5191787"/>
+            <a:ext cx="238419" cy="234950"/>
+            <a:chOff x="9127831" y="1808876"/>
+            <a:chExt cx="238419" cy="234950"/>
+          </a:xfrm>
+        </p:grpSpPr>
+        <p:cxnSp>
+          <p:nvCxnSpPr>
+            <p:cNvPr id="69" name="Gerader Verbinder 68">
+              <a:extLst>
+                <a:ext uri="{FF2B5EF4-FFF2-40B4-BE49-F238E27FC236}">
+                  <a16:creationId xmlns:a16="http://schemas.microsoft.com/office/drawing/2014/main" id="{31078560-10A2-45C4-9394-FB3A5486247A}"/>
+                </a:ext>
+              </a:extLst>
+            </p:cNvPr>
+            <p:cNvCxnSpPr>
+              <a:cxnSpLocks/>
+            </p:cNvCxnSpPr>
+            <p:nvPr/>
+          </p:nvCxnSpPr>
+          <p:spPr>
+            <a:xfrm>
+              <a:off x="9127831" y="1808876"/>
+              <a:ext cx="0" cy="234950"/>
+            </a:xfrm>
+            <a:prstGeom prst="line">
+              <a:avLst/>
+            </a:prstGeom>
+            <a:ln w="12700">
+              <a:solidFill>
+                <a:schemeClr val="tx1">
+                  <a:lumMod val="65000"/>
+                  <a:lumOff val="35000"/>
+                </a:schemeClr>
+              </a:solidFill>
+            </a:ln>
+          </p:spPr>
+          <p:style>
+            <a:lnRef idx="1">
+              <a:schemeClr val="dk1"/>
+            </a:lnRef>
+            <a:fillRef idx="0">
+              <a:schemeClr val="dk1"/>
+            </a:fillRef>
+            <a:effectRef idx="0">
+              <a:schemeClr val="dk1"/>
+            </a:effectRef>
+            <a:fontRef idx="minor">
+              <a:schemeClr val="tx1"/>
+            </a:fontRef>
+          </p:style>
+        </p:cxnSp>
+        <p:cxnSp>
+          <p:nvCxnSpPr>
+            <p:cNvPr id="70" name="Gerader Verbinder 69">
+              <a:extLst>
+                <a:ext uri="{FF2B5EF4-FFF2-40B4-BE49-F238E27FC236}">
+                  <a16:creationId xmlns:a16="http://schemas.microsoft.com/office/drawing/2014/main" id="{A7F60975-7884-4F68-AE07-E72999FAD5C0}"/>
+                </a:ext>
+              </a:extLst>
+            </p:cNvPr>
+            <p:cNvCxnSpPr>
+              <a:cxnSpLocks/>
+            </p:cNvCxnSpPr>
+            <p:nvPr/>
+          </p:nvCxnSpPr>
+          <p:spPr>
+            <a:xfrm flipH="1">
+              <a:off x="9127831" y="2042952"/>
+              <a:ext cx="238419" cy="0"/>
+            </a:xfrm>
+            <a:prstGeom prst="line">
+              <a:avLst/>
+            </a:prstGeom>
+            <a:ln w="12700">
+              <a:solidFill>
+                <a:schemeClr val="tx1">
+                  <a:lumMod val="65000"/>
+                  <a:lumOff val="35000"/>
+                </a:schemeClr>
+              </a:solidFill>
+            </a:ln>
+          </p:spPr>
+          <p:style>
+            <a:lnRef idx="1">
+              <a:schemeClr val="dk1"/>
+            </a:lnRef>
+            <a:fillRef idx="0">
+              <a:schemeClr val="dk1"/>
+            </a:fillRef>
+            <a:effectRef idx="0">
+              <a:schemeClr val="dk1"/>
+            </a:effectRef>
+            <a:fontRef idx="minor">
+              <a:schemeClr val="tx1"/>
+            </a:fontRef>
+          </p:style>
+        </p:cxnSp>
+      </p:grpSp>
+      <p:sp>
+        <p:nvSpPr>
+          <p:cNvPr id="71" name="Textfeld 70">
+            <a:extLst>
+              <a:ext uri="{FF2B5EF4-FFF2-40B4-BE49-F238E27FC236}">
+                <a16:creationId xmlns:a16="http://schemas.microsoft.com/office/drawing/2014/main" id="{C63AE7C4-73B2-474A-906B-A416B24C952F}"/>
+              </a:ext>
+            </a:extLst>
+          </p:cNvPr>
+          <p:cNvSpPr txBox="1"/>
+          <p:nvPr/>
+        </p:nvSpPr>
+        <p:spPr>
+          <a:xfrm>
+            <a:off x="9104852" y="5226727"/>
+            <a:ext cx="914400" cy="341968"/>
+          </a:xfrm>
+          <a:prstGeom prst="rect">
+            <a:avLst/>
+          </a:prstGeom>
+        </p:spPr>
+        <p:txBody>
+          <a:bodyPr vert="horz" wrap="none" lIns="91440" tIns="45720" rIns="91440" bIns="45720" rtlCol="0" anchor="b">
+            <a:normAutofit/>
+          </a:bodyPr>
+          <a:lstStyle/>
+          <a:p>
+            <a:pPr algn="l"/>
+            <a:r>
+              <a:rPr lang="de-DE" sz="1400" dirty="0">
+                <a:latin typeface="Miriam Fixed" panose="020B0509050101010101" pitchFamily="49" charset="-79"/>
+                <a:cs typeface="Miriam Fixed" panose="020B0509050101010101" pitchFamily="49" charset="-79"/>
+              </a:rPr>
+              <a:t>main.py</a:t>
+            </a:r>
+          </a:p>
+        </p:txBody>
+      </p:sp>
+      <p:pic>
+        <p:nvPicPr>
+          <p:cNvPr id="72" name="Grafik 71">
+            <a:extLst>
+              <a:ext uri="{FF2B5EF4-FFF2-40B4-BE49-F238E27FC236}">
+                <a16:creationId xmlns:a16="http://schemas.microsoft.com/office/drawing/2014/main" id="{33827AEC-2983-4B6D-9BF9-33F17256ADEA}"/>
+              </a:ext>
+            </a:extLst>
+          </p:cNvPr>
+          <p:cNvPicPr>
+            <a:picLocks noChangeAspect="1"/>
+          </p:cNvPicPr>
+          <p:nvPr/>
+        </p:nvPicPr>
+        <p:blipFill>
+          <a:blip r:embed="rId4">
+            <a:extLst>
+              <a:ext uri="{BEBA8EAE-BF5A-486C-A8C5-ECC9F3942E4B}">
+                <a14:imgProps xmlns:a14="http://schemas.microsoft.com/office/drawing/2010/main">
+                  <a14:imgLayer r:embed="rId5">
+                    <a14:imgEffect>
+                      <a14:saturation sat="0"/>
+                    </a14:imgEffect>
+                  </a14:imgLayer>
+                </a14:imgProps>
+              </a:ext>
+              <a:ext uri="{28A0092B-C50C-407E-A947-70E740481C1C}">
+                <a14:useLocalDpi xmlns:a14="http://schemas.microsoft.com/office/drawing/2010/main" val="0"/>
+              </a:ext>
+            </a:extLst>
+          </a:blip>
+          <a:stretch>
+            <a:fillRect/>
+          </a:stretch>
+        </p:blipFill>
+        <p:spPr>
+          <a:xfrm>
+            <a:off x="8972010" y="5339601"/>
+            <a:ext cx="167779" cy="167779"/>
+          </a:xfrm>
+          <a:prstGeom prst="rect">
+            <a:avLst/>
+          </a:prstGeom>
+        </p:spPr>
+      </p:pic>
+      <p:grpSp>
+        <p:nvGrpSpPr>
+          <p:cNvPr id="73" name="Gruppieren 72">
+            <a:extLst>
+              <a:ext uri="{FF2B5EF4-FFF2-40B4-BE49-F238E27FC236}">
+                <a16:creationId xmlns:a16="http://schemas.microsoft.com/office/drawing/2014/main" id="{076352E4-3C8B-4E93-8AB5-7BB18DE9976A}"/>
+              </a:ext>
+            </a:extLst>
+          </p:cNvPr>
+          <p:cNvGrpSpPr/>
+          <p:nvPr/>
+        </p:nvGrpSpPr>
+        <p:grpSpPr>
+          <a:xfrm>
+            <a:off x="8673427" y="1932964"/>
+            <a:ext cx="238419" cy="3914451"/>
+            <a:chOff x="9127831" y="-1870625"/>
+            <a:chExt cx="238419" cy="3914451"/>
+          </a:xfrm>
+        </p:grpSpPr>
+        <p:cxnSp>
+          <p:nvCxnSpPr>
+            <p:cNvPr id="74" name="Gerader Verbinder 73">
+              <a:extLst>
+                <a:ext uri="{FF2B5EF4-FFF2-40B4-BE49-F238E27FC236}">
+                  <a16:creationId xmlns:a16="http://schemas.microsoft.com/office/drawing/2014/main" id="{0BC3BC43-026A-4AB0-AAD9-ABA3616F5AAC}"/>
+                </a:ext>
+              </a:extLst>
+            </p:cNvPr>
+            <p:cNvCxnSpPr>
+              <a:cxnSpLocks/>
+            </p:cNvCxnSpPr>
+            <p:nvPr/>
+          </p:nvCxnSpPr>
+          <p:spPr>
+            <a:xfrm>
+              <a:off x="9127831" y="-1870625"/>
+              <a:ext cx="0" cy="3914451"/>
+            </a:xfrm>
+            <a:prstGeom prst="line">
+              <a:avLst/>
+            </a:prstGeom>
+            <a:ln w="12700">
+              <a:solidFill>
+                <a:schemeClr val="tx1">
+                  <a:lumMod val="65000"/>
+                  <a:lumOff val="35000"/>
+                </a:schemeClr>
+              </a:solidFill>
+            </a:ln>
+          </p:spPr>
+          <p:style>
+            <a:lnRef idx="1">
+              <a:schemeClr val="dk1"/>
+            </a:lnRef>
+            <a:fillRef idx="0">
+              <a:schemeClr val="dk1"/>
+            </a:fillRef>
+            <a:effectRef idx="0">
+              <a:schemeClr val="dk1"/>
+            </a:effectRef>
+            <a:fontRef idx="minor">
+              <a:schemeClr val="tx1"/>
+            </a:fontRef>
+          </p:style>
+        </p:cxnSp>
+        <p:cxnSp>
+          <p:nvCxnSpPr>
+            <p:cNvPr id="75" name="Gerader Verbinder 74">
+              <a:extLst>
+                <a:ext uri="{FF2B5EF4-FFF2-40B4-BE49-F238E27FC236}">
+                  <a16:creationId xmlns:a16="http://schemas.microsoft.com/office/drawing/2014/main" id="{5BD64CB6-5B1D-4E1C-B722-96DE2527CDEF}"/>
+                </a:ext>
+              </a:extLst>
+            </p:cNvPr>
+            <p:cNvCxnSpPr>
+              <a:cxnSpLocks/>
+            </p:cNvCxnSpPr>
+            <p:nvPr/>
+          </p:nvCxnSpPr>
+          <p:spPr>
+            <a:xfrm flipH="1">
+              <a:off x="9127831" y="2042952"/>
+              <a:ext cx="238419" cy="0"/>
+            </a:xfrm>
+            <a:prstGeom prst="line">
+              <a:avLst/>
+            </a:prstGeom>
+            <a:ln w="12700">
+              <a:solidFill>
+                <a:schemeClr val="tx1">
+                  <a:lumMod val="65000"/>
+                  <a:lumOff val="35000"/>
+                </a:schemeClr>
+              </a:solidFill>
+            </a:ln>
+          </p:spPr>
+          <p:style>
+            <a:lnRef idx="1">
+              <a:schemeClr val="dk1"/>
+            </a:lnRef>
+            <a:fillRef idx="0">
+              <a:schemeClr val="dk1"/>
+            </a:fillRef>
+            <a:effectRef idx="0">
+              <a:schemeClr val="dk1"/>
+            </a:effectRef>
+            <a:fontRef idx="minor">
+              <a:schemeClr val="tx1"/>
+            </a:fontRef>
+          </p:style>
+        </p:cxnSp>
+      </p:grpSp>
+      <p:sp>
+        <p:nvSpPr>
+          <p:cNvPr id="76" name="Textfeld 75">
+            <a:extLst>
+              <a:ext uri="{FF2B5EF4-FFF2-40B4-BE49-F238E27FC236}">
+                <a16:creationId xmlns:a16="http://schemas.microsoft.com/office/drawing/2014/main" id="{1B2E6809-49FA-4172-8208-D4D6BE2FB736}"/>
+              </a:ext>
+            </a:extLst>
+          </p:cNvPr>
+          <p:cNvSpPr txBox="1"/>
+          <p:nvPr/>
+        </p:nvSpPr>
+        <p:spPr>
+          <a:xfrm>
+            <a:off x="9104852" y="5647405"/>
+            <a:ext cx="914400" cy="341968"/>
+          </a:xfrm>
+          <a:prstGeom prst="rect">
+            <a:avLst/>
+          </a:prstGeom>
+        </p:spPr>
+        <p:txBody>
+          <a:bodyPr vert="horz" wrap="none" lIns="91440" tIns="45720" rIns="91440" bIns="45720" rtlCol="0" anchor="b">
+            <a:normAutofit/>
+          </a:bodyPr>
+          <a:lstStyle/>
+          <a:p>
+            <a:pPr algn="l"/>
+            <a:r>
+              <a:rPr lang="de-DE" sz="1400" dirty="0">
+                <a:latin typeface="Miriam Fixed" panose="020B0509050101010101" pitchFamily="49" charset="-79"/>
+                <a:cs typeface="Miriam Fixed" panose="020B0509050101010101" pitchFamily="49" charset="-79"/>
+              </a:rPr>
+              <a:t>README.md</a:t>
+            </a:r>
+          </a:p>
+        </p:txBody>
+      </p:sp>
+      <p:pic>
+        <p:nvPicPr>
+          <p:cNvPr id="79" name="Grafik 78" descr="Dokument">
+            <a:extLst>
+              <a:ext uri="{FF2B5EF4-FFF2-40B4-BE49-F238E27FC236}">
+                <a16:creationId xmlns:a16="http://schemas.microsoft.com/office/drawing/2014/main" id="{6CE81862-35DA-48AE-B020-FFBC03C00F6E}"/>
+              </a:ext>
+            </a:extLst>
+          </p:cNvPr>
+          <p:cNvPicPr>
+            <a:picLocks noChangeAspect="1"/>
+          </p:cNvPicPr>
+          <p:nvPr/>
+        </p:nvPicPr>
+        <p:blipFill>
+          <a:blip r:embed="rId10">
+            <a:extLst>
+              <a:ext uri="{28A0092B-C50C-407E-A947-70E740481C1C}">
+                <a14:useLocalDpi xmlns:a14="http://schemas.microsoft.com/office/drawing/2010/main" val="0"/>
+              </a:ext>
+              <a:ext uri="{96DAC541-7B7A-43D3-8B79-37D633B846F1}">
+                <asvg:svgBlip xmlns:asvg="http://schemas.microsoft.com/office/drawing/2016/SVG/main" r:embed="rId11"/>
+              </a:ext>
+            </a:extLst>
+          </a:blip>
+          <a:stretch>
+            <a:fillRect/>
+          </a:stretch>
+        </p:blipFill>
+        <p:spPr>
+          <a:xfrm>
+            <a:off x="8944250" y="5741364"/>
+            <a:ext cx="220254" cy="220254"/>
+          </a:xfrm>
+          <a:prstGeom prst="rect">
+            <a:avLst/>
+          </a:prstGeom>
+        </p:spPr>
+      </p:pic>
     </p:spTree>
     <p:extLst>
       <p:ext uri="{BB962C8B-B14F-4D97-AF65-F5344CB8AC3E}">
